--- a/Final Presentation.pptx
+++ b/Final Presentation.pptx
@@ -13122,7 +13122,7 @@
         <p:spPr>
           <a:xfrm>
             <a:off x="808617" y="1447800"/>
-            <a:ext cx="7682713" cy="2246769"/>
+            <a:ext cx="7682713" cy="2893100"/>
           </a:xfrm>
           <a:prstGeom prst="rect">
             <a:avLst/>
@@ -13137,7 +13137,7 @@
           <a:p>
             <a:r>
               <a:rPr lang="en-US" sz="1400" dirty="0"/>
-              <a:t>As a patient I want to collect my medical test report.</a:t>
+              <a:t>As a patient I want to view my medical test report.</a:t>
             </a:r>
           </a:p>
           <a:p>
@@ -13152,6 +13152,8 @@
               <a:rPr lang="en-US" sz="1400" dirty="0"/>
               <a:t>:</a:t>
             </a:r>
+          </a:p>
+          <a:p>
             <a:endParaRPr lang="en-US" sz="1400" dirty="0">
               <a:ea typeface="Verdana" panose="020B0604030504040204"/>
             </a:endParaRPr>
@@ -13159,7 +13161,7 @@
           <a:p>
             <a:r>
               <a:rPr lang="en-US" sz="1400" dirty="0"/>
-              <a:t> • If Patient selects the "Collect test reports" button from his dashboard, system will show the list of medical tests the Patient has undergone before and the status of the test reports for each medical test.</a:t>
+              <a:t> • If Patient selects the “View test reports" button from his dashboard, system will show the list of medical tests the Patient has undergone before and the status of the test reports for each medical test.</a:t>
             </a:r>
           </a:p>
           <a:p>
@@ -13168,12 +13170,17 @@
             </a:br>
             <a:r>
               <a:rPr lang="en-US" sz="1400" dirty="0"/>
-              <a:t>• If the status of a medical test report is "Ready", the Patient can download the test report in PDF format by clicking the "Download" button.</a:t>
-            </a:r>
-            <a:br>
+              <a:t>• If the status of the selected test report is "Ready", the Patient can download the test report in PDF format by clicking the "Download" button.</a:t>
+            </a:r>
+          </a:p>
+          <a:p>
+            <a:endParaRPr lang="en-US" sz="1400" dirty="0"/>
+          </a:p>
+          <a:p>
+            <a:r>
               <a:rPr lang="en-US" sz="1400" dirty="0"/>
-            </a:br>
-            <a:endParaRPr lang="en-US" sz="1400" dirty="0"/>
+              <a:t>• If the patient selects some test reports which are ready and clicks on "Compare" button, system will compare the reports about show the results of the comparison.</a:t>
+            </a:r>
           </a:p>
         </p:txBody>
       </p:sp>

--- a/Final Presentation.pptx
+++ b/Final Presentation.pptx
@@ -225,7 +225,7 @@
           <a:p>
             <a:fld id="{09347454-E3CE-4F24-8492-E12B5C6EE790}" type="datetimeFigureOut">
               <a:rPr lang="en-US" smtClean="0"/>
-              <a:t>9/3/2023</a:t>
+              <a:t>04-Sep-23</a:t>
             </a:fld>
             <a:endParaRPr lang="en-US"/>
           </a:p>
@@ -390,7 +390,7 @@
           <a:p>
             <a:fld id="{54AFDA7A-46D1-4E57-8FBC-ECE2E2DA79E6}" type="datetimeFigureOut">
               <a:rPr lang="en-US" smtClean="0"/>
-              <a:t>9/3/2023</a:t>
+              <a:t>04-Sep-23</a:t>
             </a:fld>
             <a:endParaRPr lang="en-US"/>
           </a:p>
@@ -1291,6 +1291,10 @@
               </a:rPr>
               <a:t> first of all, a patient creates an account then login to the system using valid credentials.</a:t>
             </a:r>
+            <a:r>
+              <a:rPr lang="en-US" dirty="0"/>
+              <a:t/>
+            </a:r>
             <a:br>
               <a:rPr lang="en-US" dirty="0"/>
             </a:br>
@@ -1344,6 +1348,10 @@
               </a:rPr>
               <a:t>#Booking Ambulance</a:t>
             </a:r>
+            <a:r>
+              <a:rPr lang="en-US" dirty="0"/>
+              <a:t/>
+            </a:r>
             <a:br>
               <a:rPr lang="en-US" dirty="0"/>
             </a:br>
@@ -1358,6 +1366,10 @@
                 <a:cs typeface="+mn-cs"/>
               </a:rPr>
               <a:t>#Checking the list of Doctors</a:t>
+            </a:r>
+            <a:r>
+              <a:rPr lang="en-US" dirty="0"/>
+              <a:t/>
             </a:r>
             <a:br>
               <a:rPr lang="en-US" dirty="0"/>
@@ -2533,6 +2545,18 @@
                 <a:cs typeface="+mn-cs"/>
               </a:rPr>
             </a:br>
+            <a:r>
+              <a:rPr lang="en-US" sz="1200" kern="1200" dirty="0">
+                <a:solidFill>
+                  <a:schemeClr val="tx1"/>
+                </a:solidFill>
+                <a:effectLst/>
+                <a:latin typeface="+mn-lt"/>
+                <a:ea typeface="+mn-ea"/>
+                <a:cs typeface="+mn-cs"/>
+              </a:rPr>
+              <a:t/>
+            </a:r>
             <a:br>
               <a:rPr lang="en-US" sz="1200" kern="1200" dirty="0">
                 <a:solidFill>
@@ -10498,7 +10522,7 @@
             <a:pPr eaLnBrk="1" latinLnBrk="0" hangingPunct="1"/>
             <a:fld id="{544213AF-26F6-41FA-8D85-E2C5388D6E58}" type="datetimeFigureOut">
               <a:rPr lang="en-US" smtClean="0"/>
-              <a:t>9/3/2023</a:t>
+              <a:t>04-Sep-23</a:t>
             </a:fld>
             <a:endParaRPr lang="en-US" sz="1000" dirty="0">
               <a:solidFill>
@@ -12852,7 +12876,7 @@
           <p:cNvPr id="3" name="Picture 2">
             <a:extLst>
               <a:ext uri="{FF2B5EF4-FFF2-40B4-BE49-F238E27FC236}">
-                <a16:creationId xmlns:a16="http://schemas.microsoft.com/office/drawing/2014/main" id="{3AD13168-AA11-C5D3-6AED-7B25DB9BB486}"/>
+                <a16:creationId xmlns:a16="http://schemas.microsoft.com/office/drawing/2014/main" xmlns="" id="{3AD13168-AA11-C5D3-6AED-7B25DB9BB486}"/>
               </a:ext>
             </a:extLst>
           </p:cNvPr>
@@ -12957,6 +12981,10 @@
             </a:r>
           </a:p>
           <a:p>
+            <a:r>
+              <a:rPr lang="en-US" sz="1400" dirty="0"/>
+              <a:t/>
+            </a:r>
             <a:br>
               <a:rPr lang="en-US" sz="1400" dirty="0"/>
             </a:br>
@@ -12970,6 +12998,10 @@
             </a:r>
           </a:p>
           <a:p>
+            <a:r>
+              <a:rPr lang="en-US" sz="1400" dirty="0"/>
+              <a:t/>
+            </a:r>
             <a:br>
               <a:rPr lang="en-US" sz="1400" dirty="0"/>
             </a:br>
@@ -12979,6 +13011,10 @@
             </a:r>
           </a:p>
           <a:p>
+            <a:r>
+              <a:rPr lang="en-US" sz="1400" dirty="0"/>
+              <a:t/>
+            </a:r>
             <a:br>
               <a:rPr lang="en-US" sz="1400" dirty="0"/>
             </a:br>
@@ -12988,6 +13024,10 @@
             </a:r>
           </a:p>
           <a:p>
+            <a:r>
+              <a:rPr lang="en-US" sz="1400" dirty="0"/>
+              <a:t/>
+            </a:r>
             <a:br>
               <a:rPr lang="en-US" sz="1400" dirty="0"/>
             </a:br>
@@ -12997,6 +13037,10 @@
             </a:r>
           </a:p>
           <a:p>
+            <a:r>
+              <a:rPr lang="en-US" sz="1400" dirty="0"/>
+              <a:t/>
+            </a:r>
             <a:br>
               <a:rPr lang="en-US" sz="1400" dirty="0"/>
             </a:br>
@@ -13006,6 +13050,10 @@
             </a:r>
           </a:p>
           <a:p>
+            <a:r>
+              <a:rPr lang="en-US" sz="1400" dirty="0"/>
+              <a:t/>
+            </a:r>
             <a:br>
               <a:rPr lang="en-US" sz="1400" dirty="0"/>
             </a:br>
@@ -13141,6 +13189,10 @@
             </a:r>
           </a:p>
           <a:p>
+            <a:r>
+              <a:rPr lang="en-US" sz="1400" dirty="0"/>
+              <a:t/>
+            </a:r>
             <a:br>
               <a:rPr lang="en-US" sz="1400" dirty="0"/>
             </a:br>
@@ -13165,6 +13217,10 @@
             </a:r>
           </a:p>
           <a:p>
+            <a:r>
+              <a:rPr lang="en-US" sz="1400" dirty="0"/>
+              <a:t/>
+            </a:r>
             <a:br>
               <a:rPr lang="en-US" sz="1400" dirty="0"/>
             </a:br>
@@ -13625,13 +13681,7 @@
       </p:sp>
       <p:pic>
         <p:nvPicPr>
-          <p:cNvPr id="8" name="Picture 7">
-            <a:extLst>
-              <a:ext uri="{FF2B5EF4-FFF2-40B4-BE49-F238E27FC236}">
-                <a16:creationId xmlns:a16="http://schemas.microsoft.com/office/drawing/2014/main" id="{BDBD7E72-020C-952E-114F-DE397870B11C}"/>
-              </a:ext>
-            </a:extLst>
-          </p:cNvPr>
+          <p:cNvPr id="2" name="Picture 1"/>
           <p:cNvPicPr>
             <a:picLocks noChangeAspect="1"/>
           </p:cNvPicPr>
@@ -13651,8 +13701,8 @@
         </p:blipFill>
         <p:spPr>
           <a:xfrm>
-            <a:off x="364838" y="1514104"/>
-            <a:ext cx="8414323" cy="3829791"/>
+            <a:off x="381000" y="1905000"/>
+            <a:ext cx="8372474" cy="3525252"/>
           </a:xfrm>
           <a:prstGeom prst="rect">
             <a:avLst/>

--- a/Final Presentation.pptx
+++ b/Final Presentation.pptx
@@ -5,27 +5,27 @@
     <p:sldMasterId id="2147483648" r:id="rId1"/>
   </p:sldMasterIdLst>
   <p:notesMasterIdLst>
-    <p:notesMasterId r:id="rId17"/>
+    <p:notesMasterId r:id="rId4"/>
   </p:notesMasterIdLst>
   <p:handoutMasterIdLst>
-    <p:handoutMasterId r:id="rId18"/>
+    <p:handoutMasterId r:id="rId19"/>
   </p:handoutMasterIdLst>
   <p:sldIdLst>
-    <p:sldId id="265" r:id="rId2"/>
-    <p:sldId id="266" r:id="rId3"/>
-    <p:sldId id="259" r:id="rId4"/>
-    <p:sldId id="260" r:id="rId5"/>
-    <p:sldId id="279" r:id="rId6"/>
-    <p:sldId id="288" r:id="rId7"/>
-    <p:sldId id="280" r:id="rId8"/>
-    <p:sldId id="281" r:id="rId9"/>
-    <p:sldId id="284" r:id="rId10"/>
-    <p:sldId id="283" r:id="rId11"/>
-    <p:sldId id="282" r:id="rId12"/>
-    <p:sldId id="285" r:id="rId13"/>
-    <p:sldId id="286" r:id="rId14"/>
-    <p:sldId id="261" r:id="rId15"/>
-    <p:sldId id="287" r:id="rId16"/>
+    <p:sldId id="265" r:id="rId3"/>
+    <p:sldId id="266" r:id="rId5"/>
+    <p:sldId id="259" r:id="rId6"/>
+    <p:sldId id="260" r:id="rId7"/>
+    <p:sldId id="279" r:id="rId8"/>
+    <p:sldId id="288" r:id="rId9"/>
+    <p:sldId id="280" r:id="rId10"/>
+    <p:sldId id="281" r:id="rId11"/>
+    <p:sldId id="284" r:id="rId12"/>
+    <p:sldId id="283" r:id="rId13"/>
+    <p:sldId id="282" r:id="rId14"/>
+    <p:sldId id="285" r:id="rId15"/>
+    <p:sldId id="286" r:id="rId16"/>
+    <p:sldId id="261" r:id="rId17"/>
+    <p:sldId id="287" r:id="rId18"/>
   </p:sldIdLst>
   <p:sldSz cx="9144000" cy="6858000" type="screen4x3"/>
   <p:notesSz cx="6858000" cy="9144000"/>
@@ -127,12 +127,12 @@
   <p:extLst>
     <p:ext uri="{EFAFB233-063F-42B5-8137-9DF3F51BA10A}">
       <p15:sldGuideLst xmlns:p15="http://schemas.microsoft.com/office/powerpoint/2012/main">
-        <p15:guide id="1" orient="horz" pos="2161">
+        <p15:guide id="1" orient="horz" pos="2161" userDrawn="1">
           <p15:clr>
             <a:srgbClr val="A4A3A4"/>
           </p15:clr>
         </p15:guide>
-        <p15:guide id="2" pos="2880">
+        <p15:guide id="2" pos="2880" userDrawn="1">
           <p15:clr>
             <a:srgbClr val="A4A3A4"/>
           </p15:clr>
@@ -225,7 +225,6 @@
           <a:p>
             <a:fld id="{09347454-E3CE-4F24-8492-E12B5C6EE790}" type="datetimeFigureOut">
               <a:rPr lang="en-US" smtClean="0"/>
-              <a:t>04-Sep-23</a:t>
             </a:fld>
             <a:endParaRPr lang="en-US"/>
           </a:p>
@@ -291,18 +290,12 @@
           <a:p>
             <a:fld id="{206B6D19-9FF2-49D5-8935-276D0F92C8ED}" type="slidenum">
               <a:rPr lang="en-US" smtClean="0"/>
-              <a:t>‹#›</a:t>
             </a:fld>
             <a:endParaRPr lang="en-US"/>
           </a:p>
         </p:txBody>
       </p:sp>
     </p:spTree>
-    <p:extLst>
-      <p:ext uri="{BB962C8B-B14F-4D97-AF65-F5344CB8AC3E}">
-        <p14:creationId xmlns:p14="http://schemas.microsoft.com/office/powerpoint/2010/main" val="1787695941"/>
-      </p:ext>
-    </p:extLst>
   </p:cSld>
   <p:clrMap bg1="lt1" tx1="dk1" bg2="lt2" tx2="dk2" accent1="accent1" accent2="accent2" accent3="accent3" accent4="accent4" accent5="accent5" accent6="accent6" hlink="hlink" folHlink="folHlink"/>
 </p:handoutMaster>
@@ -390,7 +383,6 @@
           <a:p>
             <a:fld id="{54AFDA7A-46D1-4E57-8FBC-ECE2E2DA79E6}" type="datetimeFigureOut">
               <a:rPr lang="en-US" smtClean="0"/>
-              <a:t>04-Sep-23</a:t>
             </a:fld>
             <a:endParaRPr lang="en-US"/>
           </a:p>
@@ -457,6 +449,7 @@
               <a:rPr lang="en-US"/>
               <a:t>Edit Master text styles</a:t>
             </a:r>
+            <a:endParaRPr lang="en-US"/>
           </a:p>
           <a:p>
             <a:pPr lvl="1"/>
@@ -464,6 +457,7 @@
               <a:rPr lang="en-US"/>
               <a:t>Second level</a:t>
             </a:r>
+            <a:endParaRPr lang="en-US"/>
           </a:p>
           <a:p>
             <a:pPr lvl="2"/>
@@ -471,6 +465,7 @@
               <a:rPr lang="en-US"/>
               <a:t>Third level</a:t>
             </a:r>
+            <a:endParaRPr lang="en-US"/>
           </a:p>
           <a:p>
             <a:pPr lvl="3"/>
@@ -478,6 +473,7 @@
               <a:rPr lang="en-US"/>
               <a:t>Fourth level</a:t>
             </a:r>
+            <a:endParaRPr lang="en-US"/>
           </a:p>
           <a:p>
             <a:pPr lvl="4"/>
@@ -485,6 +481,7 @@
               <a:rPr lang="en-US"/>
               <a:t>Fifth level</a:t>
             </a:r>
+            <a:endParaRPr lang="en-US"/>
           </a:p>
         </p:txBody>
       </p:sp>
@@ -548,18 +545,12 @@
           <a:p>
             <a:fld id="{8F7B837E-4B46-4EE3-8AE8-C5609BA6198A}" type="slidenum">
               <a:rPr lang="en-US" smtClean="0"/>
-              <a:t>‹#›</a:t>
             </a:fld>
             <a:endParaRPr lang="en-US"/>
           </a:p>
         </p:txBody>
       </p:sp>
     </p:spTree>
-    <p:extLst>
-      <p:ext uri="{BB962C8B-B14F-4D97-AF65-F5344CB8AC3E}">
-        <p14:creationId xmlns:p14="http://schemas.microsoft.com/office/powerpoint/2010/main" val="2751250746"/>
-      </p:ext>
-    </p:extLst>
   </p:cSld>
   <p:clrMap bg1="lt1" tx1="dk1" bg2="lt2" tx2="dk2" accent1="accent1" accent2="accent2" accent3="accent3" accent4="accent4" accent5="accent5" accent6="accent6" hlink="hlink" folHlink="folHlink"/>
   <p:notesStyle>
@@ -729,6 +720,15 @@
               </a:rPr>
               <a:t>Assalamualaikum, Good afternoon everyone. I am Hasan Al Mamun. I would like to extend a warm welcome to all of you today. Today I have the pleasure of introducing you to an exciting project: Jahangirnagar University Medical Center Management System. The reason we chose this project is that as students of Jahangirnagar University, whenever we face health issues we have to visit JU Medical Center. But unfortunately, the medical center does not have proper management facilities. Which is why the students fail to get standard treatment. </a:t>
             </a:r>
+            <a:endParaRPr lang="en-US" sz="1200" kern="1200" dirty="0">
+              <a:solidFill>
+                <a:schemeClr val="tx1"/>
+              </a:solidFill>
+              <a:effectLst/>
+              <a:latin typeface="+mn-lt"/>
+              <a:ea typeface="+mn-ea"/>
+              <a:cs typeface="+mn-cs"/>
+            </a:endParaRPr>
           </a:p>
           <a:p>
             <a:pPr marL="0" marR="0" indent="0" algn="l" defTabSz="914400" rtl="0" eaLnBrk="1" fontAlgn="auto" latinLnBrk="0" hangingPunct="1">
@@ -759,6 +759,15 @@
               </a:rPr>
               <a:t>Before we dive into the details let’s start with a brief overview.</a:t>
             </a:r>
+            <a:endParaRPr lang="en-US" sz="1200" kern="1200" dirty="0">
+              <a:solidFill>
+                <a:schemeClr val="tx1"/>
+              </a:solidFill>
+              <a:effectLst/>
+              <a:latin typeface="+mn-lt"/>
+              <a:ea typeface="+mn-ea"/>
+              <a:cs typeface="+mn-cs"/>
+            </a:endParaRPr>
           </a:p>
           <a:p>
             <a:endParaRPr lang="en-US" dirty="0"/>
@@ -782,18 +791,12 @@
           <a:p>
             <a:fld id="{8F7B837E-4B46-4EE3-8AE8-C5609BA6198A}" type="slidenum">
               <a:rPr lang="en-US" smtClean="0"/>
-              <a:t>1</a:t>
             </a:fld>
             <a:endParaRPr lang="en-US"/>
           </a:p>
         </p:txBody>
       </p:sp>
     </p:spTree>
-    <p:extLst>
-      <p:ext uri="{BB962C8B-B14F-4D97-AF65-F5344CB8AC3E}">
-        <p14:creationId xmlns:p14="http://schemas.microsoft.com/office/powerpoint/2010/main" val="1798478001"/>
-      </p:ext>
-    </p:extLst>
   </p:cSld>
   <p:clrMapOvr>
     <a:masterClrMapping/>
@@ -859,7 +862,6 @@
               <a:buSzTx/>
               <a:buFontTx/>
               <a:buNone/>
-              <a:tabLst/>
               <a:defRPr/>
             </a:pPr>
             <a:r>
@@ -886,6 +888,15 @@
               </a:rPr>
               <a:t>This is the sequence diagram of logging into the system.</a:t>
             </a:r>
+            <a:endParaRPr lang="en-US" sz="1800" b="0" i="0" kern="100" dirty="0">
+              <a:solidFill>
+                <a:schemeClr val="tx1"/>
+              </a:solidFill>
+              <a:effectLst/>
+              <a:latin typeface="Calibri" panose="020F0502020204030204" pitchFamily="34" charset="0"/>
+              <a:ea typeface="Times New Roman" panose="02020603050405020304" pitchFamily="18" charset="0"/>
+              <a:cs typeface="Times New Roman" panose="02020603050405020304" pitchFamily="18" charset="0"/>
+            </a:endParaRPr>
           </a:p>
           <a:p>
             <a:pPr marL="0" marR="0" lvl="0" indent="0" algn="l" defTabSz="914400" rtl="0" eaLnBrk="1" fontAlgn="auto" latinLnBrk="0" hangingPunct="1">
@@ -902,7 +913,6 @@
               <a:buSzTx/>
               <a:buFontTx/>
               <a:buNone/>
-              <a:tabLst/>
               <a:defRPr/>
             </a:pPr>
             <a:endParaRPr lang="en-US" b="0" i="0" dirty="0">
@@ -925,6 +935,13 @@
               </a:rPr>
               <a:t>A sequence diagram is a type of diagram used in software engineering and system design to visually represent the interactions and communication sequences between various objects, components, or actors within a system or a process. It belongs to the Unified Modeling Language (UML) and is particularly useful for depicting the dynamic behavior of a system over time.</a:t>
             </a:r>
+            <a:endParaRPr lang="en-US" b="0" i="0" dirty="0">
+              <a:solidFill>
+                <a:srgbClr val="D1D5DB"/>
+              </a:solidFill>
+              <a:effectLst/>
+              <a:latin typeface="Söhne"/>
+            </a:endParaRPr>
           </a:p>
           <a:p>
             <a:pPr algn="l"/>
@@ -938,6 +955,13 @@
               </a:rPr>
               <a:t>In a sequence diagram, different entities are depicted as vertical lifelines, and the interactions between these entities are represented using arrows to show the sequence and flow of messages or method calls exchanged between them. The horizontal axis typically represents time, progressing from the top to the bottom.</a:t>
             </a:r>
+            <a:endParaRPr lang="en-US" b="0" i="0" dirty="0">
+              <a:solidFill>
+                <a:srgbClr val="D1D5DB"/>
+              </a:solidFill>
+              <a:effectLst/>
+              <a:latin typeface="Söhne"/>
+            </a:endParaRPr>
           </a:p>
           <a:p>
             <a:endParaRPr lang="en-US" dirty="0"/>
@@ -948,11 +972,6 @@
         </p:txBody>
       </p:sp>
     </p:spTree>
-    <p:extLst>
-      <p:ext uri="{BB962C8B-B14F-4D97-AF65-F5344CB8AC3E}">
-        <p14:creationId xmlns:p14="http://schemas.microsoft.com/office/powerpoint/2010/main" val="698022667"/>
-      </p:ext>
-    </p:extLst>
   </p:cSld>
   <p:clrMapOvr>
     <a:masterClrMapping/>
@@ -1018,7 +1037,6 @@
               <a:buSzTx/>
               <a:buFontTx/>
               <a:buNone/>
-              <a:tabLst/>
               <a:defRPr/>
             </a:pPr>
             <a:r>
@@ -1045,6 +1063,15 @@
               </a:rPr>
               <a:t>This is the sequence diagram of logging into the system.</a:t>
             </a:r>
+            <a:endParaRPr lang="en-US" sz="1800" b="0" i="0" kern="100" dirty="0">
+              <a:solidFill>
+                <a:schemeClr val="tx1"/>
+              </a:solidFill>
+              <a:effectLst/>
+              <a:latin typeface="Calibri" panose="020F0502020204030204" pitchFamily="34" charset="0"/>
+              <a:ea typeface="Times New Roman" panose="02020603050405020304" pitchFamily="18" charset="0"/>
+              <a:cs typeface="Times New Roman" panose="02020603050405020304" pitchFamily="18" charset="0"/>
+            </a:endParaRPr>
           </a:p>
           <a:p>
             <a:pPr marL="0" marR="0" lvl="0" indent="0" algn="l" defTabSz="914400" rtl="0" eaLnBrk="1" fontAlgn="auto" latinLnBrk="0" hangingPunct="1">
@@ -1061,7 +1088,6 @@
               <a:buSzTx/>
               <a:buFontTx/>
               <a:buNone/>
-              <a:tabLst/>
               <a:defRPr/>
             </a:pPr>
             <a:endParaRPr lang="en-US" b="0" i="0" dirty="0">
@@ -1084,6 +1110,13 @@
               </a:rPr>
               <a:t>A sequence diagram is a type of diagram used in software engineering and system design to visually represent the interactions and communication sequences between various objects, components, or actors within a system or a process. It belongs to the Unified Modeling Language (UML) and is particularly useful for depicting the dynamic behavior of a system over time.</a:t>
             </a:r>
+            <a:endParaRPr lang="en-US" b="0" i="0" dirty="0">
+              <a:solidFill>
+                <a:srgbClr val="D1D5DB"/>
+              </a:solidFill>
+              <a:effectLst/>
+              <a:latin typeface="Söhne"/>
+            </a:endParaRPr>
           </a:p>
           <a:p>
             <a:pPr algn="l"/>
@@ -1097,6 +1130,13 @@
               </a:rPr>
               <a:t>In a sequence diagram, different entities are depicted as vertical lifelines, and the interactions between these entities are represented using arrows to show the sequence and flow of messages or method calls exchanged between them. The horizontal axis typically represents time, progressing from the top to the bottom.</a:t>
             </a:r>
+            <a:endParaRPr lang="en-US" b="0" i="0" dirty="0">
+              <a:solidFill>
+                <a:srgbClr val="D1D5DB"/>
+              </a:solidFill>
+              <a:effectLst/>
+              <a:latin typeface="Söhne"/>
+            </a:endParaRPr>
           </a:p>
           <a:p>
             <a:endParaRPr lang="en-US" dirty="0"/>
@@ -1120,18 +1160,12 @@
           <a:p>
             <a:fld id="{8F7B837E-4B46-4EE3-8AE8-C5609BA6198A}" type="slidenum">
               <a:rPr lang="en-US" smtClean="0"/>
-              <a:t>11</a:t>
             </a:fld>
             <a:endParaRPr lang="en-US"/>
           </a:p>
         </p:txBody>
       </p:sp>
     </p:spTree>
-    <p:extLst>
-      <p:ext uri="{BB962C8B-B14F-4D97-AF65-F5344CB8AC3E}">
-        <p14:creationId xmlns:p14="http://schemas.microsoft.com/office/powerpoint/2010/main" val="3455284804"/>
-      </p:ext>
-    </p:extLst>
   </p:cSld>
   <p:clrMapOvr>
     <a:masterClrMapping/>
@@ -1291,10 +1325,6 @@
               </a:rPr>
               <a:t> first of all, a patient creates an account then login to the system using valid credentials.</a:t>
             </a:r>
-            <a:r>
-              <a:rPr lang="en-US" dirty="0"/>
-              <a:t/>
-            </a:r>
             <a:br>
               <a:rPr lang="en-US" dirty="0"/>
             </a:br>
@@ -1334,6 +1364,15 @@
               </a:rPr>
               <a:t> as:</a:t>
             </a:r>
+            <a:endParaRPr lang="en-US" sz="1200" b="0" i="0" kern="1200" dirty="0">
+              <a:solidFill>
+                <a:schemeClr val="tx1"/>
+              </a:solidFill>
+              <a:effectLst/>
+              <a:latin typeface="+mn-lt"/>
+              <a:ea typeface="+mn-ea"/>
+              <a:cs typeface="+mn-cs"/>
+            </a:endParaRPr>
           </a:p>
           <a:p>
             <a:r>
@@ -1347,10 +1386,6 @@
                 <a:cs typeface="+mn-cs"/>
               </a:rPr>
               <a:t>#Booking Ambulance</a:t>
-            </a:r>
-            <a:r>
-              <a:rPr lang="en-US" dirty="0"/>
-              <a:t/>
             </a:r>
             <a:br>
               <a:rPr lang="en-US" dirty="0"/>
@@ -1366,10 +1401,6 @@
                 <a:cs typeface="+mn-cs"/>
               </a:rPr>
               <a:t>#Checking the list of Doctors</a:t>
-            </a:r>
-            <a:r>
-              <a:rPr lang="en-US" dirty="0"/>
-              <a:t/>
             </a:r>
             <a:br>
               <a:rPr lang="en-US" dirty="0"/>
@@ -1599,18 +1630,12 @@
           <a:p>
             <a:fld id="{8F7B837E-4B46-4EE3-8AE8-C5609BA6198A}" type="slidenum">
               <a:rPr lang="en-US" smtClean="0"/>
-              <a:t>12</a:t>
             </a:fld>
             <a:endParaRPr lang="en-US"/>
           </a:p>
         </p:txBody>
       </p:sp>
     </p:spTree>
-    <p:extLst>
-      <p:ext uri="{BB962C8B-B14F-4D97-AF65-F5344CB8AC3E}">
-        <p14:creationId xmlns:p14="http://schemas.microsoft.com/office/powerpoint/2010/main" val="1374814860"/>
-      </p:ext>
-    </p:extLst>
   </p:cSld>
   <p:clrMapOvr>
     <a:masterClrMapping/>
@@ -1698,6 +1723,15 @@
               </a:rPr>
               <a:t>" is a Transformative Digital Solution aimed at modernizing the traditional healthcare practices at Jahangirnagar University. Currently, the medical center relies on: Manual Record-Keeping, Data Vulnerability, and Limited Storage Capacity. </a:t>
             </a:r>
+            <a:endParaRPr lang="en-US" sz="1200" kern="1200" dirty="0">
+              <a:solidFill>
+                <a:schemeClr val="tx1"/>
+              </a:solidFill>
+              <a:effectLst/>
+              <a:latin typeface="+mn-lt"/>
+              <a:ea typeface="+mn-ea"/>
+              <a:cs typeface="+mn-cs"/>
+            </a:endParaRPr>
           </a:p>
           <a:p>
             <a:r>
@@ -1712,6 +1746,15 @@
               </a:rPr>
               <a:t>Our vision is to elevate healthcare standards, promote a healthier campus community, and optimize medical services. Through this digital transformation, we aim to improve the overall quality of healthcare services provided at Jahangirnagar University Medical center.</a:t>
             </a:r>
+            <a:endParaRPr lang="en-US" sz="1200" kern="1200" dirty="0">
+              <a:solidFill>
+                <a:schemeClr val="tx1"/>
+              </a:solidFill>
+              <a:effectLst/>
+              <a:latin typeface="+mn-lt"/>
+              <a:ea typeface="+mn-ea"/>
+              <a:cs typeface="+mn-cs"/>
+            </a:endParaRPr>
           </a:p>
           <a:p>
             <a:endParaRPr lang="en-US" dirty="0"/>
@@ -1735,18 +1778,12 @@
           <a:p>
             <a:fld id="{8F7B837E-4B46-4EE3-8AE8-C5609BA6198A}" type="slidenum">
               <a:rPr lang="en-US" smtClean="0"/>
-              <a:t>2</a:t>
             </a:fld>
             <a:endParaRPr lang="en-US"/>
           </a:p>
         </p:txBody>
       </p:sp>
     </p:spTree>
-    <p:extLst>
-      <p:ext uri="{BB962C8B-B14F-4D97-AF65-F5344CB8AC3E}">
-        <p14:creationId xmlns:p14="http://schemas.microsoft.com/office/powerpoint/2010/main" val="2798232563"/>
-      </p:ext>
-    </p:extLst>
   </p:cSld>
   <p:clrMapOvr>
     <a:masterClrMapping/>
@@ -1810,298 +1847,6 @@
               </a:rPr>
               <a:t>Our proposed system will provide a large number of facilities. I am presenting some of the facilities.</a:t>
             </a:r>
-          </a:p>
-          <a:p>
-            <a:r>
-              <a:rPr lang="en-US" sz="1200" b="1" kern="1200" dirty="0">
-                <a:solidFill>
-                  <a:schemeClr val="tx1"/>
-                </a:solidFill>
-                <a:effectLst/>
-                <a:latin typeface="+mn-lt"/>
-                <a:ea typeface="+mn-ea"/>
-                <a:cs typeface="+mn-cs"/>
-              </a:rPr>
-              <a:t>Patient Management</a:t>
-            </a:r>
-            <a:r>
-              <a:rPr lang="en-US" sz="1200" b="0" kern="1200" baseline="0" dirty="0">
-                <a:solidFill>
-                  <a:schemeClr val="tx1"/>
-                </a:solidFill>
-                <a:effectLst/>
-                <a:latin typeface="+mn-lt"/>
-                <a:ea typeface="+mn-ea"/>
-                <a:cs typeface="+mn-cs"/>
-              </a:rPr>
-              <a:t> </a:t>
-            </a:r>
-            <a:r>
-              <a:rPr lang="en-US" sz="1200" kern="1200" dirty="0">
-                <a:solidFill>
-                  <a:schemeClr val="tx1"/>
-                </a:solidFill>
-                <a:effectLst/>
-                <a:latin typeface="+mn-lt"/>
-                <a:ea typeface="+mn-ea"/>
-                <a:cs typeface="+mn-cs"/>
-              </a:rPr>
-              <a:t>Streamline Patient Registration </a:t>
-            </a:r>
-          </a:p>
-          <a:p>
-            <a:pPr lvl="0"/>
-            <a:r>
-              <a:rPr lang="en-US" sz="1200" kern="1200" baseline="0" dirty="0">
-                <a:solidFill>
-                  <a:schemeClr val="tx1"/>
-                </a:solidFill>
-                <a:effectLst/>
-                <a:latin typeface="+mn-lt"/>
-                <a:ea typeface="+mn-ea"/>
-                <a:cs typeface="+mn-cs"/>
-              </a:rPr>
-              <a:t> </a:t>
-            </a:r>
-            <a:r>
-              <a:rPr lang="en-US" sz="1200" kern="1200" dirty="0">
-                <a:solidFill>
-                  <a:schemeClr val="tx1"/>
-                </a:solidFill>
-                <a:effectLst/>
-                <a:latin typeface="+mn-lt"/>
-                <a:ea typeface="+mn-ea"/>
-                <a:cs typeface="+mn-cs"/>
-              </a:rPr>
-              <a:t>Appointment Scheduling</a:t>
-            </a:r>
-            <a:r>
-              <a:rPr lang="en-US" sz="1200" kern="1200" baseline="0" dirty="0">
-                <a:solidFill>
-                  <a:schemeClr val="tx1"/>
-                </a:solidFill>
-                <a:effectLst/>
-                <a:latin typeface="+mn-lt"/>
-                <a:ea typeface="+mn-ea"/>
-                <a:cs typeface="+mn-cs"/>
-              </a:rPr>
-              <a:t> </a:t>
-            </a:r>
-            <a:r>
-              <a:rPr lang="en-US" sz="1200" kern="1200" dirty="0">
-                <a:solidFill>
-                  <a:schemeClr val="tx1"/>
-                </a:solidFill>
-                <a:effectLst/>
-                <a:latin typeface="+mn-lt"/>
-                <a:ea typeface="+mn-ea"/>
-                <a:cs typeface="+mn-cs"/>
-              </a:rPr>
-              <a:t>Medical History Access</a:t>
-            </a:r>
-          </a:p>
-          <a:p>
-            <a:pPr lvl="0"/>
-            <a:r>
-              <a:rPr lang="en-US" sz="1200" kern="1200" baseline="0" dirty="0">
-                <a:solidFill>
-                  <a:schemeClr val="tx1"/>
-                </a:solidFill>
-                <a:effectLst/>
-                <a:latin typeface="+mn-lt"/>
-                <a:ea typeface="+mn-ea"/>
-                <a:cs typeface="+mn-cs"/>
-              </a:rPr>
-              <a:t> </a:t>
-            </a:r>
-            <a:r>
-              <a:rPr lang="en-US" sz="1200" b="1" kern="1200" dirty="0">
-                <a:solidFill>
-                  <a:schemeClr val="tx1"/>
-                </a:solidFill>
-                <a:effectLst/>
-                <a:latin typeface="+mn-lt"/>
-                <a:ea typeface="+mn-ea"/>
-                <a:cs typeface="+mn-cs"/>
-              </a:rPr>
-              <a:t>Doctor Collaboration</a:t>
-            </a:r>
-            <a:r>
-              <a:rPr lang="en-US" sz="1200" b="0" kern="1200" baseline="0" dirty="0">
-                <a:solidFill>
-                  <a:schemeClr val="tx1"/>
-                </a:solidFill>
-                <a:effectLst/>
-                <a:latin typeface="+mn-lt"/>
-                <a:ea typeface="+mn-ea"/>
-                <a:cs typeface="+mn-cs"/>
-              </a:rPr>
-              <a:t> </a:t>
-            </a:r>
-            <a:r>
-              <a:rPr lang="en-US" sz="1200" kern="1200" dirty="0">
-                <a:solidFill>
-                  <a:schemeClr val="tx1"/>
-                </a:solidFill>
-                <a:effectLst/>
-                <a:latin typeface="+mn-lt"/>
-                <a:ea typeface="+mn-ea"/>
-                <a:cs typeface="+mn-cs"/>
-              </a:rPr>
-              <a:t>Facilitate Doctors in Updating Records</a:t>
-            </a:r>
-            <a:r>
-              <a:rPr lang="en-US" sz="1200" kern="1200" baseline="0" dirty="0">
-                <a:solidFill>
-                  <a:schemeClr val="tx1"/>
-                </a:solidFill>
-                <a:effectLst/>
-                <a:latin typeface="+mn-lt"/>
-                <a:ea typeface="+mn-ea"/>
-                <a:cs typeface="+mn-cs"/>
-              </a:rPr>
-              <a:t> </a:t>
-            </a:r>
-            <a:r>
-              <a:rPr lang="en-US" sz="1200" kern="1200" dirty="0">
-                <a:solidFill>
-                  <a:schemeClr val="tx1"/>
-                </a:solidFill>
-                <a:effectLst/>
-                <a:latin typeface="+mn-lt"/>
-                <a:ea typeface="+mn-ea"/>
-                <a:cs typeface="+mn-cs"/>
-              </a:rPr>
-              <a:t>Prescribing Medications</a:t>
-            </a:r>
-            <a:r>
-              <a:rPr lang="en-US" sz="1200" kern="1200" baseline="0" dirty="0">
-                <a:solidFill>
-                  <a:schemeClr val="tx1"/>
-                </a:solidFill>
-                <a:effectLst/>
-                <a:latin typeface="+mn-lt"/>
-                <a:ea typeface="+mn-ea"/>
-                <a:cs typeface="+mn-cs"/>
-              </a:rPr>
-              <a:t> </a:t>
-            </a:r>
-            <a:r>
-              <a:rPr lang="en-US" sz="1200" kern="1200" dirty="0">
-                <a:solidFill>
-                  <a:schemeClr val="tx1"/>
-                </a:solidFill>
-                <a:effectLst/>
-                <a:latin typeface="+mn-lt"/>
-                <a:ea typeface="+mn-ea"/>
-                <a:cs typeface="+mn-cs"/>
-              </a:rPr>
-              <a:t>Ordering Tests.</a:t>
-            </a:r>
-            <a:r>
-              <a:rPr lang="en-US" sz="1200" kern="1200" baseline="0" dirty="0">
-                <a:solidFill>
-                  <a:schemeClr val="tx1"/>
-                </a:solidFill>
-                <a:effectLst/>
-                <a:latin typeface="+mn-lt"/>
-                <a:ea typeface="+mn-ea"/>
-                <a:cs typeface="+mn-cs"/>
-              </a:rPr>
-              <a:t> </a:t>
-            </a:r>
-          </a:p>
-          <a:p>
-            <a:pPr lvl="0"/>
-            <a:r>
-              <a:rPr lang="en-US" sz="1200" b="1" kern="1200" dirty="0">
-                <a:solidFill>
-                  <a:schemeClr val="tx1"/>
-                </a:solidFill>
-                <a:effectLst/>
-                <a:latin typeface="+mn-lt"/>
-                <a:ea typeface="+mn-ea"/>
-                <a:cs typeface="+mn-cs"/>
-              </a:rPr>
-              <a:t>Medical Services</a:t>
-            </a:r>
-            <a:r>
-              <a:rPr lang="en-US" sz="1200" b="0" kern="1200" baseline="0" dirty="0">
-                <a:solidFill>
-                  <a:schemeClr val="tx1"/>
-                </a:solidFill>
-                <a:effectLst/>
-                <a:latin typeface="+mn-lt"/>
-                <a:ea typeface="+mn-ea"/>
-                <a:cs typeface="+mn-cs"/>
-              </a:rPr>
-              <a:t> </a:t>
-            </a:r>
-            <a:r>
-              <a:rPr lang="en-US" sz="1200" kern="1200" dirty="0">
-                <a:solidFill>
-                  <a:schemeClr val="tx1"/>
-                </a:solidFill>
-                <a:effectLst/>
-                <a:latin typeface="+mn-lt"/>
-                <a:ea typeface="+mn-ea"/>
-                <a:cs typeface="+mn-cs"/>
-              </a:rPr>
-              <a:t>Offer Online Test Booking</a:t>
-            </a:r>
-            <a:r>
-              <a:rPr lang="en-US" sz="1200" kern="1200" baseline="0" dirty="0">
-                <a:solidFill>
-                  <a:schemeClr val="tx1"/>
-                </a:solidFill>
-                <a:effectLst/>
-                <a:latin typeface="+mn-lt"/>
-                <a:ea typeface="+mn-ea"/>
-                <a:cs typeface="+mn-cs"/>
-              </a:rPr>
-              <a:t> </a:t>
-            </a:r>
-            <a:r>
-              <a:rPr lang="en-US" sz="1200" kern="1200" dirty="0">
-                <a:solidFill>
-                  <a:schemeClr val="tx1"/>
-                </a:solidFill>
-                <a:effectLst/>
-                <a:latin typeface="+mn-lt"/>
-                <a:ea typeface="+mn-ea"/>
-                <a:cs typeface="+mn-cs"/>
-              </a:rPr>
-              <a:t>Medicine Ordering</a:t>
-            </a:r>
-          </a:p>
-          <a:p>
-            <a:pPr lvl="0"/>
-            <a:r>
-              <a:rPr lang="en-US" sz="1200" kern="1200" dirty="0">
-                <a:solidFill>
-                  <a:schemeClr val="tx1"/>
-                </a:solidFill>
-                <a:effectLst/>
-                <a:latin typeface="+mn-lt"/>
-                <a:ea typeface="+mn-ea"/>
-                <a:cs typeface="+mn-cs"/>
-              </a:rPr>
-              <a:t>Ambulance Requests.</a:t>
-            </a:r>
-          </a:p>
-          <a:p>
-            <a:r>
-              <a:rPr lang="en-US" sz="1200" b="1" kern="1200" dirty="0">
-                <a:solidFill>
-                  <a:schemeClr val="tx1"/>
-                </a:solidFill>
-                <a:effectLst/>
-                <a:latin typeface="+mn-lt"/>
-                <a:ea typeface="+mn-ea"/>
-                <a:cs typeface="+mn-cs"/>
-              </a:rPr>
-              <a:t>Data Security</a:t>
-            </a:r>
             <a:endParaRPr lang="en-US" sz="1200" kern="1200" dirty="0">
               <a:solidFill>
                 <a:schemeClr val="tx1"/>
@@ -2113,9 +1858,8 @@
             </a:endParaRPr>
           </a:p>
           <a:p>
-            <a:pPr lvl="0"/>
-            <a:r>
-              <a:rPr lang="en-US" sz="1200" kern="1200" dirty="0">
+            <a:r>
+              <a:rPr lang="en-US" sz="1200" b="1" kern="1200" dirty="0">
                 <a:solidFill>
                   <a:schemeClr val="tx1"/>
                 </a:solidFill>
@@ -2124,12 +1868,10 @@
                 <a:ea typeface="+mn-ea"/>
                 <a:cs typeface="+mn-cs"/>
               </a:rPr>
-              <a:t>Ensure Robust Data Protection through Authentication and Encryption.</a:t>
-            </a:r>
-          </a:p>
-          <a:p>
-            <a:r>
-              <a:rPr lang="en-US" sz="1200" b="1" kern="1200" dirty="0">
+              <a:t>Patient Management</a:t>
+            </a:r>
+            <a:r>
+              <a:rPr lang="en-US" sz="1200" b="0" kern="1200" baseline="0" dirty="0">
                 <a:solidFill>
                   <a:schemeClr val="tx1"/>
                 </a:solidFill>
@@ -2138,7 +1880,19 @@
                 <a:ea typeface="+mn-ea"/>
                 <a:cs typeface="+mn-cs"/>
               </a:rPr>
-              <a:t>Notifications</a:t>
+              <a:t> </a:t>
+            </a:r>
+            <a:r>
+              <a:rPr lang="en-US" sz="1200" kern="1200" dirty="0">
+                <a:solidFill>
+                  <a:schemeClr val="tx1"/>
+                </a:solidFill>
+                <a:effectLst/>
+                <a:latin typeface="+mn-lt"/>
+                <a:ea typeface="+mn-ea"/>
+                <a:cs typeface="+mn-cs"/>
+              </a:rPr>
+              <a:t>Streamline Patient Registration </a:t>
             </a:r>
             <a:endParaRPr lang="en-US" sz="1200" kern="1200" dirty="0">
               <a:solidFill>
@@ -2153,7 +1907,7 @@
           <a:p>
             <a:pPr lvl="0"/>
             <a:r>
-              <a:rPr lang="en-US" sz="1200" kern="1200" dirty="0">
+              <a:rPr lang="en-US" sz="1200" kern="1200" baseline="0" dirty="0">
                 <a:solidFill>
                   <a:schemeClr val="tx1"/>
                 </a:solidFill>
@@ -2162,12 +1916,10 @@
                 <a:ea typeface="+mn-ea"/>
                 <a:cs typeface="+mn-cs"/>
               </a:rPr>
-              <a:t>Automate Reminders for follow-up Appointments and Test Results.</a:t>
-            </a:r>
-          </a:p>
-          <a:p>
-            <a:r>
-              <a:rPr lang="en-US" sz="1200" b="1" kern="1200" dirty="0">
+              <a:t> </a:t>
+            </a:r>
+            <a:r>
+              <a:rPr lang="en-US" sz="1200" kern="1200" dirty="0">
                 <a:solidFill>
                   <a:schemeClr val="tx1"/>
                 </a:solidFill>
@@ -2176,7 +1928,31 @@
                 <a:ea typeface="+mn-ea"/>
                 <a:cs typeface="+mn-cs"/>
               </a:rPr>
-              <a:t>Efficiency</a:t>
+              <a:t>Appointment Scheduling</a:t>
+            </a:r>
+            <a:r>
+              <a:rPr lang="en-US" sz="1200" kern="1200" baseline="0" dirty="0">
+                <a:solidFill>
+                  <a:schemeClr val="tx1"/>
+                </a:solidFill>
+                <a:effectLst/>
+                <a:latin typeface="+mn-lt"/>
+                <a:ea typeface="+mn-ea"/>
+                <a:cs typeface="+mn-cs"/>
+              </a:rPr>
+              <a:t> </a:t>
+            </a:r>
+            <a:r>
+              <a:rPr lang="en-US" sz="1200" kern="1200" dirty="0">
+                <a:solidFill>
+                  <a:schemeClr val="tx1"/>
+                </a:solidFill>
+                <a:effectLst/>
+                <a:latin typeface="+mn-lt"/>
+                <a:ea typeface="+mn-ea"/>
+                <a:cs typeface="+mn-cs"/>
+              </a:rPr>
+              <a:t>Medical History Access</a:t>
             </a:r>
             <a:endParaRPr lang="en-US" sz="1200" kern="1200" dirty="0">
               <a:solidFill>
@@ -2191,7 +1967,7 @@
           <a:p>
             <a:pPr lvl="0"/>
             <a:r>
-              <a:rPr lang="en-US" sz="1200" kern="1200" dirty="0">
+              <a:rPr lang="en-US" sz="1200" kern="1200" baseline="0" dirty="0">
                 <a:solidFill>
                   <a:schemeClr val="tx1"/>
                 </a:solidFill>
@@ -2200,8 +1976,350 @@
                 <a:ea typeface="+mn-ea"/>
                 <a:cs typeface="+mn-cs"/>
               </a:rPr>
+              <a:t> </a:t>
+            </a:r>
+            <a:r>
+              <a:rPr lang="en-US" sz="1200" b="1" kern="1200" dirty="0">
+                <a:solidFill>
+                  <a:schemeClr val="tx1"/>
+                </a:solidFill>
+                <a:effectLst/>
+                <a:latin typeface="+mn-lt"/>
+                <a:ea typeface="+mn-ea"/>
+                <a:cs typeface="+mn-cs"/>
+              </a:rPr>
+              <a:t>Doctor Collaboration</a:t>
+            </a:r>
+            <a:r>
+              <a:rPr lang="en-US" sz="1200" b="0" kern="1200" baseline="0" dirty="0">
+                <a:solidFill>
+                  <a:schemeClr val="tx1"/>
+                </a:solidFill>
+                <a:effectLst/>
+                <a:latin typeface="+mn-lt"/>
+                <a:ea typeface="+mn-ea"/>
+                <a:cs typeface="+mn-cs"/>
+              </a:rPr>
+              <a:t> </a:t>
+            </a:r>
+            <a:r>
+              <a:rPr lang="en-US" sz="1200" kern="1200" dirty="0">
+                <a:solidFill>
+                  <a:schemeClr val="tx1"/>
+                </a:solidFill>
+                <a:effectLst/>
+                <a:latin typeface="+mn-lt"/>
+                <a:ea typeface="+mn-ea"/>
+                <a:cs typeface="+mn-cs"/>
+              </a:rPr>
+              <a:t>Facilitate Doctors in Updating Records</a:t>
+            </a:r>
+            <a:r>
+              <a:rPr lang="en-US" sz="1200" kern="1200" baseline="0" dirty="0">
+                <a:solidFill>
+                  <a:schemeClr val="tx1"/>
+                </a:solidFill>
+                <a:effectLst/>
+                <a:latin typeface="+mn-lt"/>
+                <a:ea typeface="+mn-ea"/>
+                <a:cs typeface="+mn-cs"/>
+              </a:rPr>
+              <a:t> </a:t>
+            </a:r>
+            <a:r>
+              <a:rPr lang="en-US" sz="1200" kern="1200" dirty="0">
+                <a:solidFill>
+                  <a:schemeClr val="tx1"/>
+                </a:solidFill>
+                <a:effectLst/>
+                <a:latin typeface="+mn-lt"/>
+                <a:ea typeface="+mn-ea"/>
+                <a:cs typeface="+mn-cs"/>
+              </a:rPr>
+              <a:t>Prescribing Medications</a:t>
+            </a:r>
+            <a:r>
+              <a:rPr lang="en-US" sz="1200" kern="1200" baseline="0" dirty="0">
+                <a:solidFill>
+                  <a:schemeClr val="tx1"/>
+                </a:solidFill>
+                <a:effectLst/>
+                <a:latin typeface="+mn-lt"/>
+                <a:ea typeface="+mn-ea"/>
+                <a:cs typeface="+mn-cs"/>
+              </a:rPr>
+              <a:t> </a:t>
+            </a:r>
+            <a:r>
+              <a:rPr lang="en-US" sz="1200" kern="1200" dirty="0">
+                <a:solidFill>
+                  <a:schemeClr val="tx1"/>
+                </a:solidFill>
+                <a:effectLst/>
+                <a:latin typeface="+mn-lt"/>
+                <a:ea typeface="+mn-ea"/>
+                <a:cs typeface="+mn-cs"/>
+              </a:rPr>
+              <a:t>Ordering Tests.</a:t>
+            </a:r>
+            <a:r>
+              <a:rPr lang="en-US" sz="1200" kern="1200" baseline="0" dirty="0">
+                <a:solidFill>
+                  <a:schemeClr val="tx1"/>
+                </a:solidFill>
+                <a:effectLst/>
+                <a:latin typeface="+mn-lt"/>
+                <a:ea typeface="+mn-ea"/>
+                <a:cs typeface="+mn-cs"/>
+              </a:rPr>
+              <a:t> </a:t>
+            </a:r>
+            <a:endParaRPr lang="en-US" sz="1200" kern="1200" baseline="0" dirty="0">
+              <a:solidFill>
+                <a:schemeClr val="tx1"/>
+              </a:solidFill>
+              <a:effectLst/>
+              <a:latin typeface="+mn-lt"/>
+              <a:ea typeface="+mn-ea"/>
+              <a:cs typeface="+mn-cs"/>
+            </a:endParaRPr>
+          </a:p>
+          <a:p>
+            <a:pPr lvl="0"/>
+            <a:r>
+              <a:rPr lang="en-US" sz="1200" b="1" kern="1200" dirty="0">
+                <a:solidFill>
+                  <a:schemeClr val="tx1"/>
+                </a:solidFill>
+                <a:effectLst/>
+                <a:latin typeface="+mn-lt"/>
+                <a:ea typeface="+mn-ea"/>
+                <a:cs typeface="+mn-cs"/>
+              </a:rPr>
+              <a:t>Medical Services</a:t>
+            </a:r>
+            <a:r>
+              <a:rPr lang="en-US" sz="1200" b="0" kern="1200" baseline="0" dirty="0">
+                <a:solidFill>
+                  <a:schemeClr val="tx1"/>
+                </a:solidFill>
+                <a:effectLst/>
+                <a:latin typeface="+mn-lt"/>
+                <a:ea typeface="+mn-ea"/>
+                <a:cs typeface="+mn-cs"/>
+              </a:rPr>
+              <a:t> </a:t>
+            </a:r>
+            <a:r>
+              <a:rPr lang="en-US" sz="1200" kern="1200" dirty="0">
+                <a:solidFill>
+                  <a:schemeClr val="tx1"/>
+                </a:solidFill>
+                <a:effectLst/>
+                <a:latin typeface="+mn-lt"/>
+                <a:ea typeface="+mn-ea"/>
+                <a:cs typeface="+mn-cs"/>
+              </a:rPr>
+              <a:t>Offer Online Test Booking</a:t>
+            </a:r>
+            <a:r>
+              <a:rPr lang="en-US" sz="1200" kern="1200" baseline="0" dirty="0">
+                <a:solidFill>
+                  <a:schemeClr val="tx1"/>
+                </a:solidFill>
+                <a:effectLst/>
+                <a:latin typeface="+mn-lt"/>
+                <a:ea typeface="+mn-ea"/>
+                <a:cs typeface="+mn-cs"/>
+              </a:rPr>
+              <a:t> </a:t>
+            </a:r>
+            <a:r>
+              <a:rPr lang="en-US" sz="1200" kern="1200" dirty="0">
+                <a:solidFill>
+                  <a:schemeClr val="tx1"/>
+                </a:solidFill>
+                <a:effectLst/>
+                <a:latin typeface="+mn-lt"/>
+                <a:ea typeface="+mn-ea"/>
+                <a:cs typeface="+mn-cs"/>
+              </a:rPr>
+              <a:t>Medicine Ordering</a:t>
+            </a:r>
+            <a:endParaRPr lang="en-US" sz="1200" kern="1200" dirty="0">
+              <a:solidFill>
+                <a:schemeClr val="tx1"/>
+              </a:solidFill>
+              <a:effectLst/>
+              <a:latin typeface="+mn-lt"/>
+              <a:ea typeface="+mn-ea"/>
+              <a:cs typeface="+mn-cs"/>
+            </a:endParaRPr>
+          </a:p>
+          <a:p>
+            <a:pPr lvl="0"/>
+            <a:r>
+              <a:rPr lang="en-US" sz="1200" kern="1200" dirty="0">
+                <a:solidFill>
+                  <a:schemeClr val="tx1"/>
+                </a:solidFill>
+                <a:effectLst/>
+                <a:latin typeface="+mn-lt"/>
+                <a:ea typeface="+mn-ea"/>
+                <a:cs typeface="+mn-cs"/>
+              </a:rPr>
+              <a:t>Ambulance Requests.</a:t>
+            </a:r>
+            <a:endParaRPr lang="en-US" sz="1200" kern="1200" dirty="0">
+              <a:solidFill>
+                <a:schemeClr val="tx1"/>
+              </a:solidFill>
+              <a:effectLst/>
+              <a:latin typeface="+mn-lt"/>
+              <a:ea typeface="+mn-ea"/>
+              <a:cs typeface="+mn-cs"/>
+            </a:endParaRPr>
+          </a:p>
+          <a:p>
+            <a:r>
+              <a:rPr lang="en-US" sz="1200" b="1" kern="1200" dirty="0">
+                <a:solidFill>
+                  <a:schemeClr val="tx1"/>
+                </a:solidFill>
+                <a:effectLst/>
+                <a:latin typeface="+mn-lt"/>
+                <a:ea typeface="+mn-ea"/>
+                <a:cs typeface="+mn-cs"/>
+              </a:rPr>
+              <a:t>Data Security</a:t>
+            </a:r>
+            <a:endParaRPr lang="en-US" sz="1200" kern="1200" dirty="0">
+              <a:solidFill>
+                <a:schemeClr val="tx1"/>
+              </a:solidFill>
+              <a:effectLst/>
+              <a:latin typeface="+mn-lt"/>
+              <a:ea typeface="+mn-ea"/>
+              <a:cs typeface="+mn-cs"/>
+            </a:endParaRPr>
+          </a:p>
+          <a:p>
+            <a:pPr lvl="0"/>
+            <a:r>
+              <a:rPr lang="en-US" sz="1200" kern="1200" dirty="0">
+                <a:solidFill>
+                  <a:schemeClr val="tx1"/>
+                </a:solidFill>
+                <a:effectLst/>
+                <a:latin typeface="+mn-lt"/>
+                <a:ea typeface="+mn-ea"/>
+                <a:cs typeface="+mn-cs"/>
+              </a:rPr>
+              <a:t>Ensure Robust Data Protection through Authentication and Encryption.</a:t>
+            </a:r>
+            <a:endParaRPr lang="en-US" sz="1200" kern="1200" dirty="0">
+              <a:solidFill>
+                <a:schemeClr val="tx1"/>
+              </a:solidFill>
+              <a:effectLst/>
+              <a:latin typeface="+mn-lt"/>
+              <a:ea typeface="+mn-ea"/>
+              <a:cs typeface="+mn-cs"/>
+            </a:endParaRPr>
+          </a:p>
+          <a:p>
+            <a:r>
+              <a:rPr lang="en-US" sz="1200" b="1" kern="1200" dirty="0">
+                <a:solidFill>
+                  <a:schemeClr val="tx1"/>
+                </a:solidFill>
+                <a:effectLst/>
+                <a:latin typeface="+mn-lt"/>
+                <a:ea typeface="+mn-ea"/>
+                <a:cs typeface="+mn-cs"/>
+              </a:rPr>
+              <a:t>Notifications</a:t>
+            </a:r>
+            <a:endParaRPr lang="en-US" sz="1200" kern="1200" dirty="0">
+              <a:solidFill>
+                <a:schemeClr val="tx1"/>
+              </a:solidFill>
+              <a:effectLst/>
+              <a:latin typeface="+mn-lt"/>
+              <a:ea typeface="+mn-ea"/>
+              <a:cs typeface="+mn-cs"/>
+            </a:endParaRPr>
+          </a:p>
+          <a:p>
+            <a:pPr lvl="0"/>
+            <a:r>
+              <a:rPr lang="en-US" sz="1200" kern="1200" dirty="0">
+                <a:solidFill>
+                  <a:schemeClr val="tx1"/>
+                </a:solidFill>
+                <a:effectLst/>
+                <a:latin typeface="+mn-lt"/>
+                <a:ea typeface="+mn-ea"/>
+                <a:cs typeface="+mn-cs"/>
+              </a:rPr>
+              <a:t>Automate Reminders for follow-up Appointments and Test Results.</a:t>
+            </a:r>
+            <a:endParaRPr lang="en-US" sz="1200" kern="1200" dirty="0">
+              <a:solidFill>
+                <a:schemeClr val="tx1"/>
+              </a:solidFill>
+              <a:effectLst/>
+              <a:latin typeface="+mn-lt"/>
+              <a:ea typeface="+mn-ea"/>
+              <a:cs typeface="+mn-cs"/>
+            </a:endParaRPr>
+          </a:p>
+          <a:p>
+            <a:r>
+              <a:rPr lang="en-US" sz="1200" b="1" kern="1200" dirty="0">
+                <a:solidFill>
+                  <a:schemeClr val="tx1"/>
+                </a:solidFill>
+                <a:effectLst/>
+                <a:latin typeface="+mn-lt"/>
+                <a:ea typeface="+mn-ea"/>
+                <a:cs typeface="+mn-cs"/>
+              </a:rPr>
+              <a:t>Efficiency</a:t>
+            </a:r>
+            <a:endParaRPr lang="en-US" sz="1200" kern="1200" dirty="0">
+              <a:solidFill>
+                <a:schemeClr val="tx1"/>
+              </a:solidFill>
+              <a:effectLst/>
+              <a:latin typeface="+mn-lt"/>
+              <a:ea typeface="+mn-ea"/>
+              <a:cs typeface="+mn-cs"/>
+            </a:endParaRPr>
+          </a:p>
+          <a:p>
+            <a:pPr lvl="0"/>
+            <a:r>
+              <a:rPr lang="en-US" sz="1200" kern="1200" dirty="0">
+                <a:solidFill>
+                  <a:schemeClr val="tx1"/>
+                </a:solidFill>
+                <a:effectLst/>
+                <a:latin typeface="+mn-lt"/>
+                <a:ea typeface="+mn-ea"/>
+                <a:cs typeface="+mn-cs"/>
+              </a:rPr>
               <a:t>Optimize operations by digitizing bed booking and appointment management.</a:t>
             </a:r>
+            <a:endParaRPr lang="en-US" sz="1200" kern="1200" dirty="0">
+              <a:solidFill>
+                <a:schemeClr val="tx1"/>
+              </a:solidFill>
+              <a:effectLst/>
+              <a:latin typeface="+mn-lt"/>
+              <a:ea typeface="+mn-ea"/>
+              <a:cs typeface="+mn-cs"/>
+            </a:endParaRPr>
           </a:p>
           <a:p>
             <a:endParaRPr lang="en-US" dirty="0"/>
@@ -2225,18 +2343,12 @@
           <a:p>
             <a:fld id="{8F7B837E-4B46-4EE3-8AE8-C5609BA6198A}" type="slidenum">
               <a:rPr lang="en-US" smtClean="0"/>
-              <a:t>3</a:t>
             </a:fld>
             <a:endParaRPr lang="en-US"/>
           </a:p>
         </p:txBody>
       </p:sp>
     </p:spTree>
-    <p:extLst>
-      <p:ext uri="{BB962C8B-B14F-4D97-AF65-F5344CB8AC3E}">
-        <p14:creationId xmlns:p14="http://schemas.microsoft.com/office/powerpoint/2010/main" val="805054006"/>
-      </p:ext>
-    </p:extLst>
   </p:cSld>
   <p:clrMapOvr>
     <a:masterClrMapping/>
@@ -2324,262 +2436,6 @@
               </a:rPr>
               <a:t>three primary actor. Doctor is also a secondary actor in this diagram. </a:t>
             </a:r>
-          </a:p>
-          <a:p>
-            <a:r>
-              <a:rPr lang="en-US" sz="1200" kern="1200" dirty="0">
-                <a:solidFill>
-                  <a:schemeClr val="tx1"/>
-                </a:solidFill>
-                <a:effectLst/>
-                <a:latin typeface="+mn-lt"/>
-                <a:ea typeface="+mn-ea"/>
-                <a:cs typeface="+mn-cs"/>
-              </a:rPr>
-              <a:t>[Point to each actor on the diagram as you mention them.]</a:t>
-            </a:r>
-          </a:p>
-          <a:p>
-            <a:r>
-              <a:rPr lang="en-US" sz="1200" kern="1200" dirty="0">
-                <a:solidFill>
-                  <a:schemeClr val="tx1"/>
-                </a:solidFill>
-                <a:effectLst/>
-                <a:latin typeface="+mn-lt"/>
-                <a:ea typeface="+mn-ea"/>
-                <a:cs typeface="+mn-cs"/>
-              </a:rPr>
-              <a:t> </a:t>
-            </a:r>
-          </a:p>
-          <a:p>
-            <a:r>
-              <a:rPr lang="en-US" sz="1200" kern="1200" dirty="0">
-                <a:solidFill>
-                  <a:schemeClr val="tx1"/>
-                </a:solidFill>
-                <a:effectLst/>
-                <a:latin typeface="+mn-lt"/>
-                <a:ea typeface="+mn-ea"/>
-                <a:cs typeface="+mn-cs"/>
-              </a:rPr>
-              <a:t>Let's walk through some of the key interactions represented here:</a:t>
-            </a:r>
-          </a:p>
-          <a:p>
-            <a:r>
-              <a:rPr lang="en-US" sz="1200" kern="1200" dirty="0">
-                <a:solidFill>
-                  <a:schemeClr val="tx1"/>
-                </a:solidFill>
-                <a:effectLst/>
-                <a:latin typeface="+mn-lt"/>
-                <a:ea typeface="+mn-ea"/>
-                <a:cs typeface="+mn-cs"/>
-              </a:rPr>
-              <a:t> </a:t>
-            </a:r>
-          </a:p>
-          <a:p>
-            <a:r>
-              <a:rPr lang="en-US" sz="1200" kern="1200" dirty="0">
-                <a:solidFill>
-                  <a:schemeClr val="tx1"/>
-                </a:solidFill>
-                <a:effectLst/>
-                <a:latin typeface="+mn-lt"/>
-                <a:ea typeface="+mn-ea"/>
-                <a:cs typeface="+mn-cs"/>
-              </a:rPr>
-              <a:t>1. **Patient:** Our patients, represented by this actor, have several actions they can take. They can sign up and log in to the system, view the list of available doctors, and make appointments with their preferred physicians.</a:t>
-            </a:r>
-          </a:p>
-          <a:p>
-            <a:r>
-              <a:rPr lang="en-US" sz="1200" kern="1200" dirty="0">
-                <a:solidFill>
-                  <a:schemeClr val="tx1"/>
-                </a:solidFill>
-                <a:effectLst/>
-                <a:latin typeface="+mn-lt"/>
-                <a:ea typeface="+mn-ea"/>
-                <a:cs typeface="+mn-cs"/>
-              </a:rPr>
-              <a:t> </a:t>
-            </a:r>
-          </a:p>
-          <a:p>
-            <a:r>
-              <a:rPr lang="en-US" sz="1200" kern="1200" dirty="0">
-                <a:solidFill>
-                  <a:schemeClr val="tx1"/>
-                </a:solidFill>
-                <a:effectLst/>
-                <a:latin typeface="+mn-lt"/>
-                <a:ea typeface="+mn-ea"/>
-                <a:cs typeface="+mn-cs"/>
-              </a:rPr>
-              <a:t>2. **Doctor:** The doctor actor signifies our medical practitioners. They can log in, view their patient appointments, and provide healthcare services, such as diagnosing patients and prescribing medicines.</a:t>
-            </a:r>
-          </a:p>
-          <a:p>
-            <a:r>
-              <a:rPr lang="en-US" sz="1200" kern="1200" dirty="0">
-                <a:solidFill>
-                  <a:schemeClr val="tx1"/>
-                </a:solidFill>
-                <a:effectLst/>
-                <a:latin typeface="+mn-lt"/>
-                <a:ea typeface="+mn-ea"/>
-                <a:cs typeface="+mn-cs"/>
-              </a:rPr>
-              <a:t> </a:t>
-            </a:r>
-          </a:p>
-          <a:p>
-            <a:r>
-              <a:rPr lang="en-US" sz="1200" kern="1200" dirty="0">
-                <a:solidFill>
-                  <a:schemeClr val="tx1"/>
-                </a:solidFill>
-                <a:effectLst/>
-                <a:latin typeface="+mn-lt"/>
-                <a:ea typeface="+mn-ea"/>
-                <a:cs typeface="+mn-cs"/>
-              </a:rPr>
-              <a:t>3. **Lab Technician:** Lab technicians play a crucial role in our system. They can log in, view lab test appointments, and perform necessary tests for patients.</a:t>
-            </a:r>
-          </a:p>
-          <a:p>
-            <a:r>
-              <a:rPr lang="en-US" sz="1200" kern="1200" dirty="0">
-                <a:solidFill>
-                  <a:schemeClr val="tx1"/>
-                </a:solidFill>
-                <a:effectLst/>
-                <a:latin typeface="+mn-lt"/>
-                <a:ea typeface="+mn-ea"/>
-                <a:cs typeface="+mn-cs"/>
-              </a:rPr>
-              <a:t> </a:t>
-            </a:r>
-          </a:p>
-          <a:p>
-            <a:r>
-              <a:rPr lang="en-US" sz="1200" kern="1200" dirty="0">
-                <a:solidFill>
-                  <a:schemeClr val="tx1"/>
-                </a:solidFill>
-                <a:effectLst/>
-                <a:latin typeface="+mn-lt"/>
-                <a:ea typeface="+mn-ea"/>
-                <a:cs typeface="+mn-cs"/>
-              </a:rPr>
-              <a:t>4. **Medicine Store Officer:** This actor handles medicine-related operations. They can log in, manage medicine orders, and ensure a smooth supply of medications to our patients.</a:t>
-            </a:r>
-          </a:p>
-          <a:p>
-            <a:r>
-              <a:rPr lang="en-US" sz="1200" kern="1200" dirty="0">
-                <a:solidFill>
-                  <a:schemeClr val="tx1"/>
-                </a:solidFill>
-                <a:effectLst/>
-                <a:latin typeface="+mn-lt"/>
-                <a:ea typeface="+mn-ea"/>
-                <a:cs typeface="+mn-cs"/>
-              </a:rPr>
-              <a:t> </a:t>
-            </a:r>
-          </a:p>
-          <a:p>
-            <a:r>
-              <a:rPr lang="en-US" sz="1200" kern="1200" dirty="0">
-                <a:solidFill>
-                  <a:schemeClr val="tx1"/>
-                </a:solidFill>
-                <a:effectLst/>
-                <a:latin typeface="+mn-lt"/>
-                <a:ea typeface="+mn-ea"/>
-                <a:cs typeface="+mn-cs"/>
-              </a:rPr>
-              <a:t> </a:t>
-            </a:r>
-          </a:p>
-          <a:p>
-            <a:r>
-              <a:rPr lang="en-US" sz="1200" kern="1200" dirty="0">
-                <a:solidFill>
-                  <a:schemeClr val="tx1"/>
-                </a:solidFill>
-                <a:effectLst/>
-                <a:latin typeface="+mn-lt"/>
-                <a:ea typeface="+mn-ea"/>
-                <a:cs typeface="+mn-cs"/>
-              </a:rPr>
-              <a:t>Additionally, our system facilitates various interactions, such as booking an ambulance in case of emergencies, contacting the receptionist for assistance, and ordering medicines conveniently.</a:t>
-            </a:r>
-          </a:p>
-          <a:p>
-            <a:r>
-              <a:rPr lang="en-US" sz="1200" kern="1200" dirty="0">
-                <a:solidFill>
-                  <a:schemeClr val="tx1"/>
-                </a:solidFill>
-                <a:effectLst/>
-                <a:latin typeface="+mn-lt"/>
-                <a:ea typeface="+mn-ea"/>
-                <a:cs typeface="+mn-cs"/>
-              </a:rPr>
-              <a:t>This use case diagram serves as a visual representation of the diverse functionalities within our system, illustrating how each actor interacts with the system to provide and receive healthcare services efficiently.</a:t>
-            </a:r>
-            <a:br>
-              <a:rPr lang="en-US" sz="1200" kern="1200" dirty="0">
-                <a:solidFill>
-                  <a:schemeClr val="tx1"/>
-                </a:solidFill>
-                <a:effectLst/>
-                <a:latin typeface="+mn-lt"/>
-                <a:ea typeface="+mn-ea"/>
-                <a:cs typeface="+mn-cs"/>
-              </a:rPr>
-            </a:br>
-            <a:r>
-              <a:rPr lang="en-US" sz="1200" kern="1200" dirty="0">
-                <a:solidFill>
-                  <a:schemeClr val="tx1"/>
-                </a:solidFill>
-                <a:effectLst/>
-                <a:latin typeface="+mn-lt"/>
-                <a:ea typeface="+mn-ea"/>
-                <a:cs typeface="+mn-cs"/>
-              </a:rPr>
-              <a:t/>
-            </a:r>
-            <a:br>
-              <a:rPr lang="en-US" sz="1200" kern="1200" dirty="0">
-                <a:solidFill>
-                  <a:schemeClr val="tx1"/>
-                </a:solidFill>
-                <a:effectLst/>
-                <a:latin typeface="+mn-lt"/>
-                <a:ea typeface="+mn-ea"/>
-                <a:cs typeface="+mn-cs"/>
-              </a:rPr>
-            </a:br>
-            <a:r>
-              <a:rPr lang="en-US" sz="1200" b="0" i="0" kern="1200" dirty="0">
-                <a:solidFill>
-                  <a:schemeClr val="tx1"/>
-                </a:solidFill>
-                <a:effectLst/>
-                <a:latin typeface="+mn-lt"/>
-                <a:ea typeface="+mn-ea"/>
-                <a:cs typeface="+mn-cs"/>
-              </a:rPr>
-              <a:t>As we move forward in our seminar, I'd like to inform you that my teammate, Fatima Binte Aziz, will be leading the presentation from this point onward.</a:t>
-            </a:r>
             <a:endParaRPr lang="en-US" sz="1200" kern="1200" dirty="0">
               <a:solidFill>
                 <a:schemeClr val="tx1"/>
@@ -2591,6 +2447,18 @@
             </a:endParaRPr>
           </a:p>
           <a:p>
+            <a:r>
+              <a:rPr lang="en-US" sz="1200" kern="1200" dirty="0">
+                <a:solidFill>
+                  <a:schemeClr val="tx1"/>
+                </a:solidFill>
+                <a:effectLst/>
+                <a:latin typeface="+mn-lt"/>
+                <a:ea typeface="+mn-ea"/>
+                <a:cs typeface="+mn-cs"/>
+              </a:rPr>
+              <a:t>[Point to each actor on the diagram as you mention them.]</a:t>
+            </a:r>
             <a:endParaRPr lang="en-US" sz="1200" kern="1200" dirty="0">
               <a:solidFill>
                 <a:schemeClr val="tx1"/>
@@ -2614,6 +2482,382 @@
               </a:rPr>
               <a:t> </a:t>
             </a:r>
+            <a:endParaRPr lang="en-US" sz="1200" kern="1200" dirty="0">
+              <a:solidFill>
+                <a:schemeClr val="tx1"/>
+              </a:solidFill>
+              <a:effectLst/>
+              <a:latin typeface="+mn-lt"/>
+              <a:ea typeface="+mn-ea"/>
+              <a:cs typeface="+mn-cs"/>
+            </a:endParaRPr>
+          </a:p>
+          <a:p>
+            <a:r>
+              <a:rPr lang="en-US" sz="1200" kern="1200" dirty="0">
+                <a:solidFill>
+                  <a:schemeClr val="tx1"/>
+                </a:solidFill>
+                <a:effectLst/>
+                <a:latin typeface="+mn-lt"/>
+                <a:ea typeface="+mn-ea"/>
+                <a:cs typeface="+mn-cs"/>
+              </a:rPr>
+              <a:t>Let's walk through some of the key interactions represented here:</a:t>
+            </a:r>
+            <a:endParaRPr lang="en-US" sz="1200" kern="1200" dirty="0">
+              <a:solidFill>
+                <a:schemeClr val="tx1"/>
+              </a:solidFill>
+              <a:effectLst/>
+              <a:latin typeface="+mn-lt"/>
+              <a:ea typeface="+mn-ea"/>
+              <a:cs typeface="+mn-cs"/>
+            </a:endParaRPr>
+          </a:p>
+          <a:p>
+            <a:r>
+              <a:rPr lang="en-US" sz="1200" kern="1200" dirty="0">
+                <a:solidFill>
+                  <a:schemeClr val="tx1"/>
+                </a:solidFill>
+                <a:effectLst/>
+                <a:latin typeface="+mn-lt"/>
+                <a:ea typeface="+mn-ea"/>
+                <a:cs typeface="+mn-cs"/>
+              </a:rPr>
+              <a:t> </a:t>
+            </a:r>
+            <a:endParaRPr lang="en-US" sz="1200" kern="1200" dirty="0">
+              <a:solidFill>
+                <a:schemeClr val="tx1"/>
+              </a:solidFill>
+              <a:effectLst/>
+              <a:latin typeface="+mn-lt"/>
+              <a:ea typeface="+mn-ea"/>
+              <a:cs typeface="+mn-cs"/>
+            </a:endParaRPr>
+          </a:p>
+          <a:p>
+            <a:r>
+              <a:rPr lang="en-US" sz="1200" kern="1200" dirty="0">
+                <a:solidFill>
+                  <a:schemeClr val="tx1"/>
+                </a:solidFill>
+                <a:effectLst/>
+                <a:latin typeface="+mn-lt"/>
+                <a:ea typeface="+mn-ea"/>
+                <a:cs typeface="+mn-cs"/>
+              </a:rPr>
+              <a:t>1. **Patient:** Our patients, represented by this actor, have several actions they can take. They can sign up and log in to the system, view the list of available doctors, and make appointments with their preferred physicians.</a:t>
+            </a:r>
+            <a:endParaRPr lang="en-US" sz="1200" kern="1200" dirty="0">
+              <a:solidFill>
+                <a:schemeClr val="tx1"/>
+              </a:solidFill>
+              <a:effectLst/>
+              <a:latin typeface="+mn-lt"/>
+              <a:ea typeface="+mn-ea"/>
+              <a:cs typeface="+mn-cs"/>
+            </a:endParaRPr>
+          </a:p>
+          <a:p>
+            <a:r>
+              <a:rPr lang="en-US" sz="1200" kern="1200" dirty="0">
+                <a:solidFill>
+                  <a:schemeClr val="tx1"/>
+                </a:solidFill>
+                <a:effectLst/>
+                <a:latin typeface="+mn-lt"/>
+                <a:ea typeface="+mn-ea"/>
+                <a:cs typeface="+mn-cs"/>
+              </a:rPr>
+              <a:t> </a:t>
+            </a:r>
+            <a:endParaRPr lang="en-US" sz="1200" kern="1200" dirty="0">
+              <a:solidFill>
+                <a:schemeClr val="tx1"/>
+              </a:solidFill>
+              <a:effectLst/>
+              <a:latin typeface="+mn-lt"/>
+              <a:ea typeface="+mn-ea"/>
+              <a:cs typeface="+mn-cs"/>
+            </a:endParaRPr>
+          </a:p>
+          <a:p>
+            <a:r>
+              <a:rPr lang="en-US" sz="1200" kern="1200" dirty="0">
+                <a:solidFill>
+                  <a:schemeClr val="tx1"/>
+                </a:solidFill>
+                <a:effectLst/>
+                <a:latin typeface="+mn-lt"/>
+                <a:ea typeface="+mn-ea"/>
+                <a:cs typeface="+mn-cs"/>
+              </a:rPr>
+              <a:t>2. **Doctor:** The doctor actor signifies our medical practitioners. They can log in, view their patient appointments, and provide healthcare services, such as diagnosing patients and prescribing medicines.</a:t>
+            </a:r>
+            <a:endParaRPr lang="en-US" sz="1200" kern="1200" dirty="0">
+              <a:solidFill>
+                <a:schemeClr val="tx1"/>
+              </a:solidFill>
+              <a:effectLst/>
+              <a:latin typeface="+mn-lt"/>
+              <a:ea typeface="+mn-ea"/>
+              <a:cs typeface="+mn-cs"/>
+            </a:endParaRPr>
+          </a:p>
+          <a:p>
+            <a:r>
+              <a:rPr lang="en-US" sz="1200" kern="1200" dirty="0">
+                <a:solidFill>
+                  <a:schemeClr val="tx1"/>
+                </a:solidFill>
+                <a:effectLst/>
+                <a:latin typeface="+mn-lt"/>
+                <a:ea typeface="+mn-ea"/>
+                <a:cs typeface="+mn-cs"/>
+              </a:rPr>
+              <a:t> </a:t>
+            </a:r>
+            <a:endParaRPr lang="en-US" sz="1200" kern="1200" dirty="0">
+              <a:solidFill>
+                <a:schemeClr val="tx1"/>
+              </a:solidFill>
+              <a:effectLst/>
+              <a:latin typeface="+mn-lt"/>
+              <a:ea typeface="+mn-ea"/>
+              <a:cs typeface="+mn-cs"/>
+            </a:endParaRPr>
+          </a:p>
+          <a:p>
+            <a:r>
+              <a:rPr lang="en-US" sz="1200" kern="1200" dirty="0">
+                <a:solidFill>
+                  <a:schemeClr val="tx1"/>
+                </a:solidFill>
+                <a:effectLst/>
+                <a:latin typeface="+mn-lt"/>
+                <a:ea typeface="+mn-ea"/>
+                <a:cs typeface="+mn-cs"/>
+              </a:rPr>
+              <a:t>3. **Lab Technician:** Lab technicians play a crucial role in our system. They can log in, view lab test appointments, and perform necessary tests for patients.</a:t>
+            </a:r>
+            <a:endParaRPr lang="en-US" sz="1200" kern="1200" dirty="0">
+              <a:solidFill>
+                <a:schemeClr val="tx1"/>
+              </a:solidFill>
+              <a:effectLst/>
+              <a:latin typeface="+mn-lt"/>
+              <a:ea typeface="+mn-ea"/>
+              <a:cs typeface="+mn-cs"/>
+            </a:endParaRPr>
+          </a:p>
+          <a:p>
+            <a:r>
+              <a:rPr lang="en-US" sz="1200" kern="1200" dirty="0">
+                <a:solidFill>
+                  <a:schemeClr val="tx1"/>
+                </a:solidFill>
+                <a:effectLst/>
+                <a:latin typeface="+mn-lt"/>
+                <a:ea typeface="+mn-ea"/>
+                <a:cs typeface="+mn-cs"/>
+              </a:rPr>
+              <a:t> </a:t>
+            </a:r>
+            <a:endParaRPr lang="en-US" sz="1200" kern="1200" dirty="0">
+              <a:solidFill>
+                <a:schemeClr val="tx1"/>
+              </a:solidFill>
+              <a:effectLst/>
+              <a:latin typeface="+mn-lt"/>
+              <a:ea typeface="+mn-ea"/>
+              <a:cs typeface="+mn-cs"/>
+            </a:endParaRPr>
+          </a:p>
+          <a:p>
+            <a:r>
+              <a:rPr lang="en-US" sz="1200" kern="1200" dirty="0">
+                <a:solidFill>
+                  <a:schemeClr val="tx1"/>
+                </a:solidFill>
+                <a:effectLst/>
+                <a:latin typeface="+mn-lt"/>
+                <a:ea typeface="+mn-ea"/>
+                <a:cs typeface="+mn-cs"/>
+              </a:rPr>
+              <a:t>4. **Medicine Store Officer:** This actor handles medicine-related operations. They can log in, manage medicine orders, and ensure a smooth supply of medications to our patients.</a:t>
+            </a:r>
+            <a:endParaRPr lang="en-US" sz="1200" kern="1200" dirty="0">
+              <a:solidFill>
+                <a:schemeClr val="tx1"/>
+              </a:solidFill>
+              <a:effectLst/>
+              <a:latin typeface="+mn-lt"/>
+              <a:ea typeface="+mn-ea"/>
+              <a:cs typeface="+mn-cs"/>
+            </a:endParaRPr>
+          </a:p>
+          <a:p>
+            <a:r>
+              <a:rPr lang="en-US" sz="1200" kern="1200" dirty="0">
+                <a:solidFill>
+                  <a:schemeClr val="tx1"/>
+                </a:solidFill>
+                <a:effectLst/>
+                <a:latin typeface="+mn-lt"/>
+                <a:ea typeface="+mn-ea"/>
+                <a:cs typeface="+mn-cs"/>
+              </a:rPr>
+              <a:t> </a:t>
+            </a:r>
+            <a:endParaRPr lang="en-US" sz="1200" kern="1200" dirty="0">
+              <a:solidFill>
+                <a:schemeClr val="tx1"/>
+              </a:solidFill>
+              <a:effectLst/>
+              <a:latin typeface="+mn-lt"/>
+              <a:ea typeface="+mn-ea"/>
+              <a:cs typeface="+mn-cs"/>
+            </a:endParaRPr>
+          </a:p>
+          <a:p>
+            <a:r>
+              <a:rPr lang="en-US" sz="1200" kern="1200" dirty="0">
+                <a:solidFill>
+                  <a:schemeClr val="tx1"/>
+                </a:solidFill>
+                <a:effectLst/>
+                <a:latin typeface="+mn-lt"/>
+                <a:ea typeface="+mn-ea"/>
+                <a:cs typeface="+mn-cs"/>
+              </a:rPr>
+              <a:t> </a:t>
+            </a:r>
+            <a:endParaRPr lang="en-US" sz="1200" kern="1200" dirty="0">
+              <a:solidFill>
+                <a:schemeClr val="tx1"/>
+              </a:solidFill>
+              <a:effectLst/>
+              <a:latin typeface="+mn-lt"/>
+              <a:ea typeface="+mn-ea"/>
+              <a:cs typeface="+mn-cs"/>
+            </a:endParaRPr>
+          </a:p>
+          <a:p>
+            <a:r>
+              <a:rPr lang="en-US" sz="1200" kern="1200" dirty="0">
+                <a:solidFill>
+                  <a:schemeClr val="tx1"/>
+                </a:solidFill>
+                <a:effectLst/>
+                <a:latin typeface="+mn-lt"/>
+                <a:ea typeface="+mn-ea"/>
+                <a:cs typeface="+mn-cs"/>
+              </a:rPr>
+              <a:t>Additionally, our system facilitates various interactions, such as booking an ambulance in case of emergencies, contacting the receptionist for assistance, and ordering medicines conveniently.</a:t>
+            </a:r>
+            <a:endParaRPr lang="en-US" sz="1200" kern="1200" dirty="0">
+              <a:solidFill>
+                <a:schemeClr val="tx1"/>
+              </a:solidFill>
+              <a:effectLst/>
+              <a:latin typeface="+mn-lt"/>
+              <a:ea typeface="+mn-ea"/>
+              <a:cs typeface="+mn-cs"/>
+            </a:endParaRPr>
+          </a:p>
+          <a:p>
+            <a:r>
+              <a:rPr lang="en-US" sz="1200" kern="1200" dirty="0">
+                <a:solidFill>
+                  <a:schemeClr val="tx1"/>
+                </a:solidFill>
+                <a:effectLst/>
+                <a:latin typeface="+mn-lt"/>
+                <a:ea typeface="+mn-ea"/>
+                <a:cs typeface="+mn-cs"/>
+              </a:rPr>
+              <a:t>This use case diagram serves as a visual representation of the diverse functionalities within our system, illustrating how each actor interacts with the system to provide and receive healthcare services efficiently.</a:t>
+            </a:r>
+            <a:br>
+              <a:rPr lang="en-US" sz="1200" kern="1200" dirty="0">
+                <a:solidFill>
+                  <a:schemeClr val="tx1"/>
+                </a:solidFill>
+                <a:effectLst/>
+                <a:latin typeface="+mn-lt"/>
+                <a:ea typeface="+mn-ea"/>
+                <a:cs typeface="+mn-cs"/>
+              </a:rPr>
+            </a:br>
+            <a:br>
+              <a:rPr lang="en-US" sz="1200" kern="1200" dirty="0">
+                <a:solidFill>
+                  <a:schemeClr val="tx1"/>
+                </a:solidFill>
+                <a:effectLst/>
+                <a:latin typeface="+mn-lt"/>
+                <a:ea typeface="+mn-ea"/>
+                <a:cs typeface="+mn-cs"/>
+              </a:rPr>
+            </a:br>
+            <a:r>
+              <a:rPr lang="en-US" sz="1200" b="0" i="0" kern="1200" dirty="0">
+                <a:solidFill>
+                  <a:schemeClr val="tx1"/>
+                </a:solidFill>
+                <a:effectLst/>
+                <a:latin typeface="+mn-lt"/>
+                <a:ea typeface="+mn-ea"/>
+                <a:cs typeface="+mn-cs"/>
+              </a:rPr>
+              <a:t>As we move forward in our seminar, I'd like to inform you that my teammate, Fatima Binte Aziz, will be leading the presentation from this point onward.</a:t>
+            </a:r>
+            <a:endParaRPr lang="en-US" sz="1200" kern="1200" dirty="0">
+              <a:solidFill>
+                <a:schemeClr val="tx1"/>
+              </a:solidFill>
+              <a:effectLst/>
+              <a:latin typeface="+mn-lt"/>
+              <a:ea typeface="+mn-ea"/>
+              <a:cs typeface="+mn-cs"/>
+            </a:endParaRPr>
+          </a:p>
+          <a:p>
+            <a:endParaRPr lang="en-US" sz="1200" kern="1200" dirty="0">
+              <a:solidFill>
+                <a:schemeClr val="tx1"/>
+              </a:solidFill>
+              <a:effectLst/>
+              <a:latin typeface="+mn-lt"/>
+              <a:ea typeface="+mn-ea"/>
+              <a:cs typeface="+mn-cs"/>
+            </a:endParaRPr>
+          </a:p>
+          <a:p>
+            <a:r>
+              <a:rPr lang="en-US" sz="1200" kern="1200" dirty="0">
+                <a:solidFill>
+                  <a:schemeClr val="tx1"/>
+                </a:solidFill>
+                <a:effectLst/>
+                <a:latin typeface="+mn-lt"/>
+                <a:ea typeface="+mn-ea"/>
+                <a:cs typeface="+mn-cs"/>
+              </a:rPr>
+              <a:t> </a:t>
+            </a:r>
+            <a:endParaRPr lang="en-US" sz="1200" kern="1200" dirty="0">
+              <a:solidFill>
+                <a:schemeClr val="tx1"/>
+              </a:solidFill>
+              <a:effectLst/>
+              <a:latin typeface="+mn-lt"/>
+              <a:ea typeface="+mn-ea"/>
+              <a:cs typeface="+mn-cs"/>
+            </a:endParaRPr>
           </a:p>
         </p:txBody>
       </p:sp>
@@ -2634,18 +2878,12 @@
           <a:p>
             <a:fld id="{8F7B837E-4B46-4EE3-8AE8-C5609BA6198A}" type="slidenum">
               <a:rPr lang="en-US" smtClean="0"/>
-              <a:t>4</a:t>
             </a:fld>
             <a:endParaRPr lang="en-US"/>
           </a:p>
         </p:txBody>
       </p:sp>
     </p:spTree>
-    <p:extLst>
-      <p:ext uri="{BB962C8B-B14F-4D97-AF65-F5344CB8AC3E}">
-        <p14:creationId xmlns:p14="http://schemas.microsoft.com/office/powerpoint/2010/main" val="854825301"/>
-      </p:ext>
-    </p:extLst>
   </p:cSld>
   <p:clrMapOvr>
     <a:masterClrMapping/>
@@ -2709,6 +2947,15 @@
               </a:rPr>
               <a:t>The second user story describes about making appointment for undergoing medical test. The patient places appointment according to his comfort. He has the flexibility to select suitable appointment. After confirming the appointment, the patient and the lab technician both will be notified via an email. </a:t>
             </a:r>
+            <a:endParaRPr lang="en-US" sz="1200" kern="1200" dirty="0">
+              <a:solidFill>
+                <a:schemeClr val="tx1"/>
+              </a:solidFill>
+              <a:effectLst/>
+              <a:latin typeface="+mn-lt"/>
+              <a:ea typeface="+mn-ea"/>
+              <a:cs typeface="+mn-cs"/>
+            </a:endParaRPr>
           </a:p>
         </p:txBody>
       </p:sp>
@@ -2729,18 +2976,12 @@
           <a:p>
             <a:fld id="{8F7B837E-4B46-4EE3-8AE8-C5609BA6198A}" type="slidenum">
               <a:rPr lang="en-US" smtClean="0"/>
-              <a:t>5</a:t>
             </a:fld>
             <a:endParaRPr lang="en-US"/>
           </a:p>
         </p:txBody>
       </p:sp>
     </p:spTree>
-    <p:extLst>
-      <p:ext uri="{BB962C8B-B14F-4D97-AF65-F5344CB8AC3E}">
-        <p14:creationId xmlns:p14="http://schemas.microsoft.com/office/powerpoint/2010/main" val="2806902373"/>
-      </p:ext>
-    </p:extLst>
   </p:cSld>
   <p:clrMapOvr>
     <a:masterClrMapping/>
@@ -2804,6 +3045,15 @@
               </a:rPr>
               <a:t>Assalamualaikum. I am Fatima Binte Aziz. My previous Teammate Hasan Al Mamun has given us the brief overview of our project JU Medical Center Management System and has described the use-case diagram. In this part of the presentation, I'll be focusing on two crucial aspects: the user stories we've identified and the extended use cases we've developed.</a:t>
             </a:r>
+            <a:endParaRPr lang="en-US" sz="1200" kern="1200" dirty="0">
+              <a:solidFill>
+                <a:schemeClr val="tx1"/>
+              </a:solidFill>
+              <a:effectLst/>
+              <a:latin typeface="+mn-lt"/>
+              <a:ea typeface="+mn-ea"/>
+              <a:cs typeface="+mn-cs"/>
+            </a:endParaRPr>
           </a:p>
           <a:p>
             <a:r>
@@ -2818,6 +3068,15 @@
               </a:rPr>
               <a:t> </a:t>
             </a:r>
+            <a:endParaRPr lang="en-US" sz="1200" kern="1200" dirty="0">
+              <a:solidFill>
+                <a:schemeClr val="tx1"/>
+              </a:solidFill>
+              <a:effectLst/>
+              <a:latin typeface="+mn-lt"/>
+              <a:ea typeface="+mn-ea"/>
+              <a:cs typeface="+mn-cs"/>
+            </a:endParaRPr>
           </a:p>
           <a:p>
             <a:r>
@@ -2832,6 +3091,15 @@
               </a:rPr>
               <a:t> </a:t>
             </a:r>
+            <a:endParaRPr lang="en-US" sz="1200" kern="1200" dirty="0">
+              <a:solidFill>
+                <a:schemeClr val="tx1"/>
+              </a:solidFill>
+              <a:effectLst/>
+              <a:latin typeface="+mn-lt"/>
+              <a:ea typeface="+mn-ea"/>
+              <a:cs typeface="+mn-cs"/>
+            </a:endParaRPr>
           </a:p>
           <a:p>
             <a:r>
@@ -2846,6 +3114,15 @@
               </a:rPr>
               <a:t>Let's start with the user stories. A user story is a concise, informal, and non-technical description of a software feature from the perspective of an end user. Our first user story describes the account creation within our system. If a user wants to create an account, he must submit a form filling all the information if he hasn’t registered already. If the username is invalid or taken already, the system will notify the user. The user should also have strong password. Thus an account is created. </a:t>
             </a:r>
+            <a:endParaRPr lang="en-US" sz="1200" kern="1200" dirty="0">
+              <a:solidFill>
+                <a:schemeClr val="tx1"/>
+              </a:solidFill>
+              <a:effectLst/>
+              <a:latin typeface="+mn-lt"/>
+              <a:ea typeface="+mn-ea"/>
+              <a:cs typeface="+mn-cs"/>
+            </a:endParaRPr>
           </a:p>
         </p:txBody>
       </p:sp>
@@ -2866,18 +3143,12 @@
           <a:p>
             <a:fld id="{8F7B837E-4B46-4EE3-8AE8-C5609BA6198A}" type="slidenum">
               <a:rPr lang="en-US" smtClean="0"/>
-              <a:t>6</a:t>
             </a:fld>
             <a:endParaRPr lang="en-US"/>
           </a:p>
         </p:txBody>
       </p:sp>
     </p:spTree>
-    <p:extLst>
-      <p:ext uri="{BB962C8B-B14F-4D97-AF65-F5344CB8AC3E}">
-        <p14:creationId xmlns:p14="http://schemas.microsoft.com/office/powerpoint/2010/main" val="1915322029"/>
-      </p:ext>
-    </p:extLst>
   </p:cSld>
   <p:clrMapOvr>
     <a:masterClrMapping/>
@@ -2957,6 +3228,15 @@
               </a:rPr>
               <a:t>Now we have our extended use case. The 1st use case is about making appointment for visiting a doctor. We have two actors here -the patient and the doctor. The patient triggers by clicking place appointment and to do so, the patient must be logged into the system. After the patient selects “place appointment” button, the system will show details of the doctor, and also of the other patients who are still in the queue. If the patient wants to switch to another available time, he has that freedom. Lastly, after patient has confirmed it both the doctor and the patient will get an email.</a:t>
             </a:r>
+            <a:endParaRPr lang="en-US" sz="1200" kern="1200" dirty="0">
+              <a:solidFill>
+                <a:schemeClr val="tx1"/>
+              </a:solidFill>
+              <a:effectLst/>
+              <a:latin typeface="+mn-lt"/>
+              <a:ea typeface="+mn-ea"/>
+              <a:cs typeface="+mn-cs"/>
+            </a:endParaRPr>
           </a:p>
           <a:p>
             <a:endParaRPr lang="en-US" dirty="0"/>
@@ -2980,18 +3260,12 @@
           <a:p>
             <a:fld id="{8F7B837E-4B46-4EE3-8AE8-C5609BA6198A}" type="slidenum">
               <a:rPr lang="en-US" smtClean="0"/>
-              <a:t>7</a:t>
             </a:fld>
             <a:endParaRPr lang="en-US"/>
           </a:p>
         </p:txBody>
       </p:sp>
     </p:spTree>
-    <p:extLst>
-      <p:ext uri="{BB962C8B-B14F-4D97-AF65-F5344CB8AC3E}">
-        <p14:creationId xmlns:p14="http://schemas.microsoft.com/office/powerpoint/2010/main" val="3958044153"/>
-      </p:ext>
-    </p:extLst>
   </p:cSld>
   <p:clrMapOvr>
     <a:masterClrMapping/>
@@ -3083,6 +3357,15 @@
               </a:rPr>
               <a:t>After the patient has given the address where the medicine has to be shipped, the patient gets to see the estimated delivery time and both the patient and the store officer will get confirmation email about ordering.</a:t>
             </a:r>
+            <a:endParaRPr lang="en-US" sz="1200" kern="1200">
+              <a:solidFill>
+                <a:schemeClr val="tx1"/>
+              </a:solidFill>
+              <a:effectLst/>
+              <a:latin typeface="+mn-lt"/>
+              <a:ea typeface="+mn-ea"/>
+              <a:cs typeface="+mn-cs"/>
+            </a:endParaRPr>
           </a:p>
           <a:p>
             <a:endParaRPr lang="en-US"/>
@@ -3106,18 +3389,12 @@
           <a:p>
             <a:fld id="{8F7B837E-4B46-4EE3-8AE8-C5609BA6198A}" type="slidenum">
               <a:rPr lang="en-US" smtClean="0"/>
-              <a:t>8</a:t>
             </a:fld>
             <a:endParaRPr lang="en-US"/>
           </a:p>
         </p:txBody>
       </p:sp>
     </p:spTree>
-    <p:extLst>
-      <p:ext uri="{BB962C8B-B14F-4D97-AF65-F5344CB8AC3E}">
-        <p14:creationId xmlns:p14="http://schemas.microsoft.com/office/powerpoint/2010/main" val="2763876684"/>
-      </p:ext>
-    </p:extLst>
   </p:cSld>
   <p:clrMapOvr>
     <a:masterClrMapping/>
@@ -3897,11 +4174,6 @@
         </p:txBody>
       </p:sp>
     </p:spTree>
-    <p:extLst>
-      <p:ext uri="{BB962C8B-B14F-4D97-AF65-F5344CB8AC3E}">
-        <p14:creationId xmlns:p14="http://schemas.microsoft.com/office/powerpoint/2010/main" val="2385068963"/>
-      </p:ext>
-    </p:extLst>
   </p:cSld>
   <p:clrMapOvr>
     <a:masterClrMapping/>
@@ -3990,6 +4262,7 @@
               <a:rPr kumimoji="0" lang="en-US" dirty="0"/>
               <a:t>Instructions</a:t>
             </a:r>
+            <a:endParaRPr kumimoji="0" lang="en-US" dirty="0"/>
           </a:p>
         </p:txBody>
       </p:sp>
@@ -4047,6 +4320,7 @@
               <a:rPr lang="en-US" altLang="en-US" sz="1600" dirty="0"/>
               <a:t>, theme, background image and transition between slides.</a:t>
             </a:r>
+            <a:endParaRPr lang="en-US" altLang="en-US" sz="1600" dirty="0"/>
           </a:p>
           <a:p>
             <a:pPr eaLnBrk="1" hangingPunct="1"/>
@@ -4058,6 +4332,7 @@
               <a:rPr lang="en-US" altLang="en-US" sz="1600" dirty="0"/>
               <a:t>Limit the content of each slide to a few plain language bullet points with a visual (such as a photo or a map) and expand on those points while you’re presenting.</a:t>
             </a:r>
+            <a:endParaRPr lang="en-US" altLang="en-US" sz="1600" dirty="0"/>
           </a:p>
           <a:p>
             <a:pPr eaLnBrk="1" hangingPunct="1"/>
@@ -4069,6 +4344,7 @@
               <a:rPr lang="en-US" altLang="en-US" sz="1600" dirty="0"/>
               <a:t>Fonts should be simple and easy to read from the audience’s viewpoint. Stay away from novelty fonts. </a:t>
             </a:r>
+            <a:endParaRPr lang="en-US" altLang="en-US" sz="1600" dirty="0"/>
           </a:p>
           <a:p>
             <a:pPr eaLnBrk="1" hangingPunct="1"/>
@@ -4088,6 +4364,7 @@
               <a:rPr lang="en-US" altLang="en-US" sz="1600" dirty="0"/>
               <a:t>*Delete this slide before you present.</a:t>
             </a:r>
+            <a:endParaRPr lang="en-US" altLang="en-US" sz="1600" dirty="0"/>
           </a:p>
         </p:txBody>
       </p:sp>
@@ -4126,6 +4403,7 @@
               <a:rPr lang="en-US" dirty="0"/>
               <a:t>This PowerPoint template is designed to guide researchers who are presenting their research results to community members, policy makers and media representatives. Please fill out the template to ensure your presentation is easy to understand, interesting and provides the most valuable information to your audience</a:t>
             </a:r>
+            <a:endParaRPr lang="en-US" dirty="0"/>
           </a:p>
         </p:txBody>
       </p:sp>
@@ -4315,6 +4593,7 @@
               <a:rPr kumimoji="0" lang="en-US" dirty="0"/>
               <a:t>What Was Found?</a:t>
             </a:r>
+            <a:endParaRPr kumimoji="0" lang="en-US" dirty="0"/>
           </a:p>
         </p:txBody>
       </p:sp>
@@ -4376,6 +4655,12 @@
               </a:rPr>
               <a:t>Use a maximum of four to five bullets, once point per bullet</a:t>
             </a:r>
+            <a:endParaRPr lang="en-US" dirty="0">
+              <a:solidFill>
+                <a:srgbClr val="000000"/>
+              </a:solidFill>
+              <a:ea typeface="+mn-ea"/>
+            </a:endParaRPr>
           </a:p>
           <a:p>
             <a:pPr marL="274320" indent="-274320" eaLnBrk="1" fontAlgn="auto" hangingPunct="1">
@@ -4411,6 +4696,12 @@
               </a:rPr>
               <a:t>Use one or two slides</a:t>
             </a:r>
+            <a:endParaRPr lang="en-US" dirty="0">
+              <a:solidFill>
+                <a:srgbClr val="000000"/>
+              </a:solidFill>
+              <a:ea typeface="+mn-ea"/>
+            </a:endParaRPr>
           </a:p>
           <a:p>
             <a:pPr marL="274320" indent="-274320" eaLnBrk="1" fontAlgn="auto" hangingPunct="1">
@@ -4446,6 +4737,12 @@
               </a:rPr>
               <a:t>What are the study results?</a:t>
             </a:r>
+            <a:endParaRPr lang="en-US" dirty="0">
+              <a:solidFill>
+                <a:srgbClr val="000000"/>
+              </a:solidFill>
+              <a:ea typeface="+mn-ea"/>
+            </a:endParaRPr>
           </a:p>
           <a:p>
             <a:pPr marL="274320" indent="-274320" eaLnBrk="1" fontAlgn="auto" hangingPunct="1">
@@ -4481,6 +4778,12 @@
               </a:rPr>
               <a:t>How is this important to the state of the science? </a:t>
             </a:r>
+            <a:endParaRPr lang="en-US" dirty="0">
+              <a:solidFill>
+                <a:srgbClr val="000000"/>
+              </a:solidFill>
+              <a:ea typeface="+mn-ea"/>
+            </a:endParaRPr>
           </a:p>
         </p:txBody>
       </p:sp>
@@ -4650,6 +4953,7 @@
               <a:rPr lang="en-US" dirty="0"/>
               <a:t>What was Found?</a:t>
             </a:r>
+            <a:endParaRPr lang="en-US" dirty="0"/>
           </a:p>
         </p:txBody>
       </p:sp>
@@ -4684,6 +4988,7 @@
               <a:rPr lang="en-US" dirty="0"/>
               <a:t>Click the icon to add a relevant picture from your project</a:t>
             </a:r>
+            <a:endParaRPr lang="en-US" dirty="0"/>
           </a:p>
         </p:txBody>
       </p:sp>
@@ -4753,6 +5058,12 @@
               </a:rPr>
               <a:t>Use a second slide if you have additional findings</a:t>
             </a:r>
+            <a:endParaRPr lang="en-US" dirty="0">
+              <a:solidFill>
+                <a:srgbClr val="000000"/>
+              </a:solidFill>
+              <a:ea typeface="+mn-ea"/>
+            </a:endParaRPr>
           </a:p>
           <a:p>
             <a:pPr marL="274320" indent="-274320" eaLnBrk="1" fontAlgn="auto" hangingPunct="1">
@@ -4788,6 +5099,12 @@
               </a:rPr>
               <a:t>Use a maximum of four to five bullets</a:t>
             </a:r>
+            <a:endParaRPr lang="en-US" dirty="0">
+              <a:solidFill>
+                <a:srgbClr val="000000"/>
+              </a:solidFill>
+              <a:ea typeface="+mn-ea"/>
+            </a:endParaRPr>
           </a:p>
           <a:p>
             <a:pPr marL="274320" indent="-274320" eaLnBrk="1" fontAlgn="auto" hangingPunct="1">
@@ -4823,6 +5140,12 @@
               </a:rPr>
               <a:t>One point per bullet</a:t>
             </a:r>
+            <a:endParaRPr lang="en-US" dirty="0">
+              <a:solidFill>
+                <a:srgbClr val="000000"/>
+              </a:solidFill>
+              <a:ea typeface="+mn-ea"/>
+            </a:endParaRPr>
           </a:p>
           <a:p>
             <a:pPr marL="274320" indent="-274320" eaLnBrk="1" fontAlgn="auto" hangingPunct="1">
@@ -4876,6 +5199,12 @@
               </a:rPr>
               <a:t>if you directly involved traditional knowledge holders in the process</a:t>
             </a:r>
+            <a:endParaRPr lang="en-US" dirty="0">
+              <a:solidFill>
+                <a:srgbClr val="000000"/>
+              </a:solidFill>
+              <a:ea typeface="+mn-ea"/>
+            </a:endParaRPr>
           </a:p>
           <a:p>
             <a:pPr marL="274320" indent="-274320" eaLnBrk="1" fontAlgn="auto" hangingPunct="1">
@@ -5147,6 +5476,12 @@
               </a:rPr>
               <a:t>Science?</a:t>
             </a:r>
+            <a:endParaRPr lang="en-US" sz="2400" dirty="0">
+              <a:solidFill>
+                <a:srgbClr val="000000"/>
+              </a:solidFill>
+              <a:ea typeface="+mn-ea"/>
+            </a:endParaRPr>
           </a:p>
           <a:p>
             <a:pPr marL="640080" lvl="1" indent="-274320" eaLnBrk="1" fontAlgn="auto" hangingPunct="1">
@@ -5166,6 +5501,12 @@
               </a:rPr>
               <a:t>Health?</a:t>
             </a:r>
+            <a:endParaRPr lang="en-US" sz="2400" dirty="0">
+              <a:solidFill>
+                <a:srgbClr val="000000"/>
+              </a:solidFill>
+              <a:ea typeface="+mn-ea"/>
+            </a:endParaRPr>
           </a:p>
           <a:p>
             <a:pPr marL="640080" lvl="1" indent="-274320" eaLnBrk="1" fontAlgn="auto" hangingPunct="1">
@@ -5185,6 +5526,12 @@
               </a:rPr>
               <a:t>Environment and Ecosystems?</a:t>
             </a:r>
+            <a:endParaRPr lang="en-US" sz="2400" dirty="0">
+              <a:solidFill>
+                <a:srgbClr val="000000"/>
+              </a:solidFill>
+              <a:ea typeface="+mn-ea"/>
+            </a:endParaRPr>
           </a:p>
           <a:p>
             <a:pPr marL="274320" indent="-274320" eaLnBrk="1" fontAlgn="auto" hangingPunct="1">
@@ -5240,6 +5587,7 @@
               <a:rPr lang="en-US" dirty="0"/>
               <a:t>Why is the Project Important?</a:t>
             </a:r>
+            <a:endParaRPr lang="en-US" dirty="0"/>
           </a:p>
         </p:txBody>
       </p:sp>
@@ -5404,6 +5752,12 @@
               </a:rPr>
               <a:t>Use two or three concise bullets</a:t>
             </a:r>
+            <a:endParaRPr lang="en-US" dirty="0">
+              <a:solidFill>
+                <a:srgbClr val="000000"/>
+              </a:solidFill>
+              <a:ea typeface="+mn-ea"/>
+            </a:endParaRPr>
           </a:p>
           <a:p>
             <a:pPr marL="0" indent="0" eaLnBrk="1" fontAlgn="auto" hangingPunct="1">
@@ -5439,6 +5793,12 @@
               </a:rPr>
               <a:t>Why the results are important to: </a:t>
             </a:r>
+            <a:endParaRPr lang="en-US" sz="2200" dirty="0">
+              <a:solidFill>
+                <a:srgbClr val="000000"/>
+              </a:solidFill>
+              <a:ea typeface="+mn-ea"/>
+            </a:endParaRPr>
           </a:p>
           <a:p>
             <a:pPr marL="0" indent="0" eaLnBrk="1" fontAlgn="auto" hangingPunct="1">
@@ -5474,6 +5834,12 @@
               </a:rPr>
               <a:t>Current legislation? </a:t>
             </a:r>
+            <a:endParaRPr lang="en-US" sz="2200" dirty="0">
+              <a:solidFill>
+                <a:srgbClr val="000000"/>
+              </a:solidFill>
+              <a:ea typeface="+mn-ea"/>
+            </a:endParaRPr>
           </a:p>
           <a:p>
             <a:pPr marL="640080" lvl="1" indent="-274320" eaLnBrk="1" fontAlgn="auto" hangingPunct="1">
@@ -5493,6 +5859,12 @@
               </a:rPr>
               <a:t>Policy?</a:t>
             </a:r>
+            <a:endParaRPr lang="en-US" sz="2200" dirty="0">
+              <a:solidFill>
+                <a:srgbClr val="000000"/>
+              </a:solidFill>
+              <a:ea typeface="+mn-ea"/>
+            </a:endParaRPr>
           </a:p>
           <a:p>
             <a:pPr marL="640080" lvl="1" indent="-274320" eaLnBrk="1" fontAlgn="auto" hangingPunct="1">
@@ -5512,6 +5884,12 @@
               </a:rPr>
               <a:t>Advocacy?</a:t>
             </a:r>
+            <a:endParaRPr lang="en-US" sz="2200" dirty="0">
+              <a:solidFill>
+                <a:srgbClr val="000000"/>
+              </a:solidFill>
+              <a:ea typeface="+mn-ea"/>
+            </a:endParaRPr>
           </a:p>
           <a:p>
             <a:pPr marL="274320" indent="-274320" eaLnBrk="1" fontAlgn="auto" hangingPunct="1">
@@ -5654,6 +6032,7 @@
               <a:rPr kumimoji="0" lang="en-US" dirty="0"/>
               <a:t>Why is the Project Important?</a:t>
             </a:r>
+            <a:endParaRPr kumimoji="0" lang="en-US" dirty="0"/>
           </a:p>
         </p:txBody>
       </p:sp>
@@ -5853,6 +6232,12 @@
               </a:rPr>
               <a:t>Use two or three concise bullets</a:t>
             </a:r>
+            <a:endParaRPr lang="en-US" dirty="0">
+              <a:solidFill>
+                <a:srgbClr val="000000"/>
+              </a:solidFill>
+              <a:ea typeface="+mn-ea"/>
+            </a:endParaRPr>
           </a:p>
           <a:p>
             <a:pPr marL="0" indent="0" eaLnBrk="1" fontAlgn="auto" hangingPunct="1">
@@ -5888,6 +6273,12 @@
               </a:rPr>
               <a:t>Why are the results are important to:</a:t>
             </a:r>
+            <a:endParaRPr lang="en-US" sz="2200" dirty="0">
+              <a:solidFill>
+                <a:srgbClr val="000000"/>
+              </a:solidFill>
+              <a:ea typeface="+mn-ea"/>
+            </a:endParaRPr>
           </a:p>
           <a:p>
             <a:pPr marL="0" indent="0" eaLnBrk="1" fontAlgn="auto" hangingPunct="1">
@@ -5923,6 +6314,12 @@
               </a:rPr>
               <a:t>Community partners? </a:t>
             </a:r>
+            <a:endParaRPr lang="en-US" sz="2200" dirty="0">
+              <a:solidFill>
+                <a:srgbClr val="000000"/>
+              </a:solidFill>
+              <a:ea typeface="+mn-ea"/>
+            </a:endParaRPr>
           </a:p>
           <a:p>
             <a:pPr marL="640080" lvl="1" indent="-274320" eaLnBrk="1" fontAlgn="auto" hangingPunct="1">
@@ -5942,6 +6339,12 @@
               </a:rPr>
               <a:t>Community livelihoods?</a:t>
             </a:r>
+            <a:endParaRPr lang="en-US" sz="2200" dirty="0">
+              <a:solidFill>
+                <a:srgbClr val="000000"/>
+              </a:solidFill>
+              <a:ea typeface="+mn-ea"/>
+            </a:endParaRPr>
           </a:p>
           <a:p>
             <a:pPr marL="640080" lvl="1" indent="-274320" eaLnBrk="1" fontAlgn="auto" hangingPunct="1">
@@ -5961,6 +6364,12 @@
               </a:rPr>
               <a:t>Community concerns?</a:t>
             </a:r>
+            <a:endParaRPr lang="en-US" sz="2200" dirty="0">
+              <a:solidFill>
+                <a:srgbClr val="000000"/>
+              </a:solidFill>
+              <a:ea typeface="+mn-ea"/>
+            </a:endParaRPr>
           </a:p>
           <a:p>
             <a:pPr marL="274320" indent="-274320" eaLnBrk="1" fontAlgn="auto" hangingPunct="1">
@@ -6103,6 +6512,7 @@
               <a:rPr kumimoji="0" lang="en-US" dirty="0"/>
               <a:t>Why is the Project Important?</a:t>
             </a:r>
+            <a:endParaRPr kumimoji="0" lang="en-US" dirty="0"/>
           </a:p>
         </p:txBody>
       </p:sp>
@@ -6137,6 +6547,7 @@
               <a:rPr lang="en-US" dirty="0"/>
               <a:t>Click the icon to add a relevant picture from your project</a:t>
             </a:r>
+            <a:endParaRPr lang="en-US" dirty="0"/>
           </a:p>
         </p:txBody>
       </p:sp>
@@ -6271,6 +6682,7 @@
               <a:rPr lang="en-US" dirty="0"/>
               <a:t>What Happens Next?</a:t>
             </a:r>
+            <a:endParaRPr lang="en-US" dirty="0"/>
           </a:p>
         </p:txBody>
       </p:sp>
@@ -6305,6 +6717,7 @@
               <a:rPr lang="en-US" dirty="0"/>
               <a:t>Click the icon to add a relevant picture from your project</a:t>
             </a:r>
+            <a:endParaRPr lang="en-US" dirty="0"/>
           </a:p>
         </p:txBody>
       </p:sp>
@@ -6374,6 +6787,12 @@
               </a:rPr>
               <a:t>Use two slides</a:t>
             </a:r>
+            <a:endParaRPr lang="en-US" sz="2000" dirty="0">
+              <a:solidFill>
+                <a:srgbClr val="000000"/>
+              </a:solidFill>
+              <a:ea typeface="+mn-ea"/>
+            </a:endParaRPr>
           </a:p>
           <a:p>
             <a:pPr marL="274320" indent="-274320" eaLnBrk="1" fontAlgn="auto" hangingPunct="1">
@@ -6409,6 +6828,12 @@
               </a:rPr>
               <a:t>Include timelines</a:t>
             </a:r>
+            <a:endParaRPr lang="en-US" sz="2000" dirty="0">
+              <a:solidFill>
+                <a:srgbClr val="000000"/>
+              </a:solidFill>
+              <a:ea typeface="+mn-ea"/>
+            </a:endParaRPr>
           </a:p>
           <a:p>
             <a:pPr marL="274320" indent="-274320" eaLnBrk="1" fontAlgn="auto" hangingPunct="1">
@@ -6444,6 +6869,12 @@
               </a:rPr>
               <a:t>What are the next steps for this study and/or findings?</a:t>
             </a:r>
+            <a:endParaRPr lang="en-US" sz="2000" dirty="0">
+              <a:solidFill>
+                <a:srgbClr val="000000"/>
+              </a:solidFill>
+              <a:ea typeface="+mn-ea"/>
+            </a:endParaRPr>
           </a:p>
           <a:p>
             <a:pPr marL="274320" indent="-274320" eaLnBrk="1" fontAlgn="auto" hangingPunct="1">
@@ -6674,6 +7105,11 @@
               </a:rPr>
               <a:t>How do the results affect the overall program? How could they effect adaptive management strategies?</a:t>
             </a:r>
+            <a:endParaRPr lang="en-US" altLang="en-US" sz="1800" dirty="0">
+              <a:solidFill>
+                <a:srgbClr val="000000"/>
+              </a:solidFill>
+            </a:endParaRPr>
           </a:p>
           <a:p>
             <a:pPr eaLnBrk="1" hangingPunct="1"/>
@@ -6693,6 +7129,11 @@
               </a:rPr>
               <a:t>How do the results contribute to other monitoring programs and future research?</a:t>
             </a:r>
+            <a:endParaRPr lang="en-US" altLang="en-US" sz="1800" dirty="0">
+              <a:solidFill>
+                <a:srgbClr val="000000"/>
+              </a:solidFill>
+            </a:endParaRPr>
           </a:p>
         </p:txBody>
       </p:sp>
@@ -6732,6 +7173,7 @@
               <a:rPr lang="en-US" dirty="0"/>
               <a:t>What Happens Next?</a:t>
             </a:r>
+            <a:endParaRPr lang="en-US" dirty="0"/>
           </a:p>
         </p:txBody>
       </p:sp>
@@ -6867,6 +7309,7 @@
               <a:rPr kumimoji="0" lang="en-US" dirty="0"/>
               <a:t>More Information</a:t>
             </a:r>
+            <a:endParaRPr kumimoji="0" lang="en-US" dirty="0"/>
           </a:p>
         </p:txBody>
       </p:sp>
@@ -6957,6 +7400,11 @@
               </a:rPr>
               <a:t>Are there any future meetings about the project or the findings?</a:t>
             </a:r>
+            <a:endParaRPr lang="en-US" altLang="en-US" sz="2000" dirty="0">
+              <a:solidFill>
+                <a:srgbClr val="000000"/>
+              </a:solidFill>
+            </a:endParaRPr>
           </a:p>
           <a:p>
             <a:pPr eaLnBrk="1" hangingPunct="1"/>
@@ -6979,6 +7427,7 @@
               <a:rPr lang="en-US" dirty="0"/>
               <a:t>Who can community members contact with questions/comments?</a:t>
             </a:r>
+            <a:endParaRPr lang="en-US" dirty="0"/>
           </a:p>
           <a:p>
             <a:endParaRPr lang="en-US" dirty="0"/>
@@ -6988,6 +7437,7 @@
               <a:rPr lang="en-US" dirty="0"/>
               <a:t>Where can additional information be accessed: websites, contact people, copies of reports, etc.?</a:t>
             </a:r>
+            <a:endParaRPr lang="en-US" dirty="0"/>
           </a:p>
         </p:txBody>
       </p:sp>
@@ -7220,6 +7670,7 @@
               <a:rPr kumimoji="0" lang="en-US" dirty="0"/>
               <a:t>Links to Other Work</a:t>
             </a:r>
+            <a:endParaRPr kumimoji="0" lang="en-US" dirty="0"/>
           </a:p>
         </p:txBody>
       </p:sp>
@@ -7300,6 +7751,7 @@
               <a:rPr lang="en-US" dirty="0"/>
               <a:t>How can the results of the project affect the way we protect/manage land and water (broadly or specifically)?</a:t>
             </a:r>
+            <a:endParaRPr lang="en-US" dirty="0"/>
           </a:p>
           <a:p>
             <a:pPr lvl="0"/>
@@ -7311,6 +7763,7 @@
               <a:rPr lang="en-US" dirty="0"/>
               <a:t>How does the project fit into other ongoing projects/programs in the area?</a:t>
             </a:r>
+            <a:endParaRPr lang="en-US" dirty="0"/>
           </a:p>
         </p:txBody>
       </p:sp>
@@ -7509,6 +7962,12 @@
               </a:rPr>
               <a:t>Acknowledge any community support you had for the project: time from people or organizations, logistics support, networking assistance, equipment, etc.</a:t>
             </a:r>
+            <a:endParaRPr lang="en-US" spc="-10" dirty="0">
+              <a:solidFill>
+                <a:srgbClr val="000000"/>
+              </a:solidFill>
+              <a:ea typeface="+mn-ea"/>
+            </a:endParaRPr>
           </a:p>
           <a:p>
             <a:pPr marL="274320" indent="-274320" eaLnBrk="1" fontAlgn="auto" hangingPunct="1">
@@ -7528,6 +7987,12 @@
               </a:rPr>
               <a:t> Give special thanks to community groups and people you worked with</a:t>
             </a:r>
+            <a:endParaRPr lang="en-US" dirty="0">
+              <a:solidFill>
+                <a:srgbClr val="000000"/>
+              </a:solidFill>
+              <a:ea typeface="+mn-ea"/>
+            </a:endParaRPr>
           </a:p>
           <a:p>
             <a:pPr marL="274320" indent="-274320" eaLnBrk="1" fontAlgn="auto" hangingPunct="1">
@@ -7591,6 +8056,7 @@
               <a:rPr lang="en-US" dirty="0"/>
               <a:t>Thank You!</a:t>
             </a:r>
+            <a:endParaRPr lang="en-US" dirty="0"/>
           </a:p>
         </p:txBody>
       </p:sp>
@@ -7884,6 +8350,7 @@
               <a:rPr kumimoji="0" lang="en-US" dirty="0"/>
               <a:t>Project Title (max five words)</a:t>
             </a:r>
+            <a:endParaRPr kumimoji="0" lang="en-US" dirty="0"/>
           </a:p>
         </p:txBody>
       </p:sp>
@@ -7992,6 +8459,7 @@
               <a:rPr lang="en-US" dirty="0"/>
               <a:t>Click the icon to add a relevant image from your project</a:t>
             </a:r>
+            <a:endParaRPr lang="en-US" dirty="0"/>
           </a:p>
         </p:txBody>
       </p:sp>
@@ -8243,6 +8711,7 @@
               <a:rPr kumimoji="0" lang="en-US" dirty="0"/>
               <a:t>Repeat Project Title</a:t>
             </a:r>
+            <a:endParaRPr kumimoji="0" lang="en-US" dirty="0"/>
           </a:p>
         </p:txBody>
       </p:sp>
@@ -8337,6 +8806,7 @@
               <a:rPr kumimoji="0" lang="en-US" dirty="0"/>
               <a:t>Project Description</a:t>
             </a:r>
+            <a:endParaRPr kumimoji="0" lang="en-US" dirty="0"/>
           </a:p>
         </p:txBody>
       </p:sp>
@@ -8375,6 +8845,11 @@
               </a:rPr>
               <a:t>Use one to three short, plain language points</a:t>
             </a:r>
+            <a:endParaRPr lang="en-US" altLang="en-US" dirty="0">
+              <a:solidFill>
+                <a:srgbClr val="000000"/>
+              </a:solidFill>
+            </a:endParaRPr>
           </a:p>
           <a:p>
             <a:pPr eaLnBrk="1" hangingPunct="1"/>
@@ -8386,6 +8861,11 @@
               </a:rPr>
               <a:t>Why was the study was done?</a:t>
             </a:r>
+            <a:endParaRPr lang="en-US" altLang="en-US" dirty="0">
+              <a:solidFill>
+                <a:srgbClr val="000000"/>
+              </a:solidFill>
+            </a:endParaRPr>
           </a:p>
           <a:p>
             <a:pPr eaLnBrk="1" hangingPunct="1"/>
@@ -8397,6 +8877,11 @@
               </a:rPr>
               <a:t>Does this project address any community concerns?</a:t>
             </a:r>
+            <a:endParaRPr lang="en-US" altLang="en-US" dirty="0">
+              <a:solidFill>
+                <a:srgbClr val="000000"/>
+              </a:solidFill>
+            </a:endParaRPr>
           </a:p>
           <a:p>
             <a:pPr eaLnBrk="1" hangingPunct="1"/>
@@ -8408,6 +8893,11 @@
               </a:rPr>
               <a:t>Is the project part of a program? If so, include logo</a:t>
             </a:r>
+            <a:endParaRPr lang="en-US" altLang="en-US" dirty="0">
+              <a:solidFill>
+                <a:srgbClr val="000000"/>
+              </a:solidFill>
+            </a:endParaRPr>
           </a:p>
         </p:txBody>
       </p:sp>
@@ -8442,6 +8932,7 @@
               <a:rPr lang="en-US" dirty="0"/>
               <a:t>Click the icon to add a relevant image</a:t>
             </a:r>
+            <a:endParaRPr lang="en-US" dirty="0"/>
           </a:p>
         </p:txBody>
       </p:sp>
@@ -8577,6 +9068,7 @@
               <a:rPr kumimoji="0" lang="en-US" dirty="0"/>
               <a:t>Main Findings</a:t>
             </a:r>
+            <a:endParaRPr kumimoji="0" lang="en-US" dirty="0"/>
           </a:p>
         </p:txBody>
       </p:sp>
@@ -8683,6 +9175,12 @@
               </a:rPr>
               <a:t>List three key findings, one point per bullet</a:t>
             </a:r>
+            <a:endParaRPr lang="en-US" sz="1800" spc="-59" dirty="0">
+              <a:solidFill>
+                <a:srgbClr val="000000"/>
+              </a:solidFill>
+              <a:ea typeface="+mn-ea"/>
+            </a:endParaRPr>
           </a:p>
           <a:p>
             <a:pPr marL="274320" indent="-274320" eaLnBrk="1" fontAlgn="auto" hangingPunct="1">
@@ -8718,6 +9216,12 @@
               </a:rPr>
               <a:t>How do the findings relate to the audience? </a:t>
             </a:r>
+            <a:endParaRPr lang="en-US" sz="1800" dirty="0">
+              <a:solidFill>
+                <a:srgbClr val="000000"/>
+              </a:solidFill>
+              <a:ea typeface="+mn-ea"/>
+            </a:endParaRPr>
           </a:p>
           <a:p>
             <a:pPr marL="274320" indent="-274320" eaLnBrk="1" fontAlgn="auto" hangingPunct="1">
@@ -8753,6 +9257,12 @@
               </a:rPr>
               <a:t>How do the findings relate to the health of the environment and/or community?</a:t>
             </a:r>
+            <a:endParaRPr lang="en-US" sz="1800" dirty="0">
+              <a:solidFill>
+                <a:srgbClr val="000000"/>
+              </a:solidFill>
+              <a:ea typeface="+mn-ea"/>
+            </a:endParaRPr>
           </a:p>
         </p:txBody>
       </p:sp>
@@ -8956,6 +9466,11 @@
               </a:rPr>
               <a:t>Who was involved? (include relevant affiliations)</a:t>
             </a:r>
+            <a:endParaRPr lang="en-US" altLang="en-US" dirty="0">
+              <a:solidFill>
+                <a:srgbClr val="000000"/>
+              </a:solidFill>
+            </a:endParaRPr>
           </a:p>
           <a:p>
             <a:pPr eaLnBrk="1" hangingPunct="1"/>
@@ -8967,6 +9482,11 @@
               </a:rPr>
               <a:t>Was there community involvement? If so, please describe.</a:t>
             </a:r>
+            <a:endParaRPr lang="en-US" altLang="en-US" dirty="0">
+              <a:solidFill>
+                <a:srgbClr val="000000"/>
+              </a:solidFill>
+            </a:endParaRPr>
           </a:p>
         </p:txBody>
       </p:sp>
@@ -9006,6 +9526,7 @@
               <a:rPr lang="en-US" dirty="0"/>
               <a:t>Who Did the Research?</a:t>
             </a:r>
+            <a:endParaRPr lang="en-US" dirty="0"/>
           </a:p>
         </p:txBody>
       </p:sp>
@@ -9140,6 +9661,7 @@
               <a:rPr lang="en-US" dirty="0"/>
               <a:t>Why? The Reason for the Research</a:t>
             </a:r>
+            <a:endParaRPr lang="en-US" dirty="0"/>
           </a:p>
         </p:txBody>
       </p:sp>
@@ -9174,6 +9696,7 @@
               <a:rPr lang="en-US" dirty="0"/>
               <a:t>Click the icon to add a relevant picture from your project</a:t>
             </a:r>
+            <a:endParaRPr lang="en-US" dirty="0"/>
           </a:p>
         </p:txBody>
       </p:sp>
@@ -9220,6 +9743,11 @@
               </a:rPr>
               <a:t>Use three bullets, one point per bullet</a:t>
             </a:r>
+            <a:endParaRPr lang="en-US" altLang="en-US" dirty="0">
+              <a:solidFill>
+                <a:srgbClr val="000000"/>
+              </a:solidFill>
+            </a:endParaRPr>
           </a:p>
           <a:p>
             <a:pPr eaLnBrk="1" hangingPunct="1"/>
@@ -9239,6 +9767,11 @@
               </a:rPr>
               <a:t>What was the reason for the research project?</a:t>
             </a:r>
+            <a:endParaRPr lang="en-US" altLang="en-US" dirty="0">
+              <a:solidFill>
+                <a:srgbClr val="000000"/>
+              </a:solidFill>
+            </a:endParaRPr>
           </a:p>
           <a:p>
             <a:pPr eaLnBrk="1" hangingPunct="1"/>
@@ -9258,6 +9791,11 @@
               </a:rPr>
               <a:t>Include references to the community’s questions and scientific relevance of the project</a:t>
             </a:r>
+            <a:endParaRPr lang="en-US" altLang="en-US" dirty="0">
+              <a:solidFill>
+                <a:srgbClr val="000000"/>
+              </a:solidFill>
+            </a:endParaRPr>
           </a:p>
         </p:txBody>
       </p:sp>
@@ -9447,6 +9985,7 @@
               <a:rPr kumimoji="0" lang="en-US" dirty="0"/>
               <a:t>Where Did the Research Take Place?</a:t>
             </a:r>
+            <a:endParaRPr kumimoji="0" lang="en-US" dirty="0"/>
           </a:p>
         </p:txBody>
       </p:sp>
@@ -9508,6 +10047,11 @@
               </a:rPr>
               <a:t>Where was the information gathered?</a:t>
             </a:r>
+            <a:endParaRPr lang="en-US" altLang="en-US" sz="1800" dirty="0">
+              <a:solidFill>
+                <a:srgbClr val="000000"/>
+              </a:solidFill>
+            </a:endParaRPr>
           </a:p>
           <a:p>
             <a:pPr eaLnBrk="1" hangingPunct="1"/>
@@ -9527,6 +10071,11 @@
               </a:rPr>
               <a:t>Why and how were the sites chosen?</a:t>
             </a:r>
+            <a:endParaRPr lang="en-US" altLang="en-US" sz="1800" dirty="0">
+              <a:solidFill>
+                <a:srgbClr val="000000"/>
+              </a:solidFill>
+            </a:endParaRPr>
           </a:p>
           <a:p>
             <a:pPr eaLnBrk="1" hangingPunct="1"/>
@@ -9546,6 +10095,11 @@
               </a:rPr>
               <a:t>Was the community involved in gathering the information? Identify sites of community importance</a:t>
             </a:r>
+            <a:endParaRPr lang="en-US" altLang="en-US" sz="1800" dirty="0">
+              <a:solidFill>
+                <a:srgbClr val="000000"/>
+              </a:solidFill>
+            </a:endParaRPr>
           </a:p>
         </p:txBody>
       </p:sp>
@@ -9762,6 +10316,12 @@
               </a:rPr>
               <a:t>When was the information gathered?</a:t>
             </a:r>
+            <a:endParaRPr lang="en-US" spc="-80" dirty="0">
+              <a:solidFill>
+                <a:srgbClr val="000000"/>
+              </a:solidFill>
+              <a:ea typeface="+mn-ea"/>
+            </a:endParaRPr>
           </a:p>
           <a:p>
             <a:pPr marL="274320" indent="-274320" eaLnBrk="1" fontAlgn="auto" hangingPunct="1">
@@ -9781,6 +10341,12 @@
               </a:rPr>
               <a:t>What was the data collection schedule?</a:t>
             </a:r>
+            <a:endParaRPr lang="en-US" dirty="0">
+              <a:solidFill>
+                <a:srgbClr val="000000"/>
+              </a:solidFill>
+              <a:ea typeface="+mn-ea"/>
+            </a:endParaRPr>
           </a:p>
           <a:p>
             <a:pPr marL="274320" indent="-274320" eaLnBrk="1" fontAlgn="auto" hangingPunct="1">
@@ -9800,6 +10366,12 @@
               </a:rPr>
               <a:t> Why was data collected this way?</a:t>
             </a:r>
+            <a:endParaRPr lang="en-US" dirty="0">
+              <a:solidFill>
+                <a:srgbClr val="000000"/>
+              </a:solidFill>
+              <a:ea typeface="+mn-ea"/>
+            </a:endParaRPr>
           </a:p>
         </p:txBody>
       </p:sp>
@@ -9839,6 +10411,7 @@
               <a:rPr lang="en-US" dirty="0"/>
               <a:t>When Did the Research Take Place?</a:t>
             </a:r>
+            <a:endParaRPr lang="en-US" dirty="0"/>
           </a:p>
         </p:txBody>
       </p:sp>
@@ -9974,6 +10547,7 @@
               <a:rPr kumimoji="0" lang="en-US" dirty="0"/>
               <a:t>How Was it Done?</a:t>
             </a:r>
+            <a:endParaRPr kumimoji="0" lang="en-US" dirty="0"/>
           </a:p>
         </p:txBody>
       </p:sp>
@@ -10098,6 +10672,12 @@
               </a:rPr>
               <a:t>. methods, equipment)?</a:t>
             </a:r>
+            <a:endParaRPr lang="en-US" spc="-80" dirty="0">
+              <a:solidFill>
+                <a:srgbClr val="000000"/>
+              </a:solidFill>
+              <a:ea typeface="+mn-ea"/>
+            </a:endParaRPr>
           </a:p>
           <a:p>
             <a:pPr marL="274320" indent="-274320" eaLnBrk="1" fontAlgn="auto" hangingPunct="1">
@@ -10133,6 +10713,12 @@
               </a:rPr>
               <a:t>How was the community involved in collecting/analyzing data (if applicable)?</a:t>
             </a:r>
+            <a:endParaRPr lang="en-US" dirty="0">
+              <a:solidFill>
+                <a:srgbClr val="000000"/>
+              </a:solidFill>
+              <a:ea typeface="+mn-ea"/>
+            </a:endParaRPr>
           </a:p>
           <a:p>
             <a:pPr marL="274320" indent="-274320" eaLnBrk="1" fontAlgn="auto" hangingPunct="1">
@@ -10168,6 +10754,12 @@
               </a:rPr>
               <a:t>How was local and traditional knowledge included (if applicable)?</a:t>
             </a:r>
+            <a:endParaRPr lang="en-US" spc="-80" dirty="0">
+              <a:solidFill>
+                <a:srgbClr val="000000"/>
+              </a:solidFill>
+              <a:ea typeface="+mn-ea"/>
+            </a:endParaRPr>
           </a:p>
         </p:txBody>
       </p:sp>
@@ -10422,6 +11014,7 @@
               <a:rPr kumimoji="0" lang="en-US"/>
               <a:t>Click to edit Master title style</a:t>
             </a:r>
+            <a:endParaRPr kumimoji="0" lang="en-US"/>
           </a:p>
         </p:txBody>
       </p:sp>
@@ -10455,6 +11048,7 @@
               <a:rPr kumimoji="0" lang="en-US" dirty="0"/>
               <a:t>Click to edit Master text styles</a:t>
             </a:r>
+            <a:endParaRPr kumimoji="0" lang="en-US" dirty="0"/>
           </a:p>
           <a:p>
             <a:pPr lvl="1" eaLnBrk="1" latinLnBrk="0" hangingPunct="1"/>
@@ -10462,6 +11056,7 @@
               <a:rPr kumimoji="0" lang="en-US" dirty="0"/>
               <a:t>Second level</a:t>
             </a:r>
+            <a:endParaRPr kumimoji="0" lang="en-US" dirty="0"/>
           </a:p>
           <a:p>
             <a:pPr lvl="2" eaLnBrk="1" latinLnBrk="0" hangingPunct="1"/>
@@ -10469,6 +11064,7 @@
               <a:rPr kumimoji="0" lang="en-US" dirty="0"/>
               <a:t>Third level</a:t>
             </a:r>
+            <a:endParaRPr kumimoji="0" lang="en-US" dirty="0"/>
           </a:p>
           <a:p>
             <a:pPr lvl="3" eaLnBrk="1" latinLnBrk="0" hangingPunct="1"/>
@@ -10476,6 +11072,7 @@
               <a:rPr kumimoji="0" lang="en-US" dirty="0"/>
               <a:t>Fourth level</a:t>
             </a:r>
+            <a:endParaRPr kumimoji="0" lang="en-US" dirty="0"/>
           </a:p>
           <a:p>
             <a:pPr lvl="4" eaLnBrk="1" latinLnBrk="0" hangingPunct="1"/>
@@ -10483,6 +11080,7 @@
               <a:rPr kumimoji="0" lang="en-US" dirty="0"/>
               <a:t>Fifth level</a:t>
             </a:r>
+            <a:endParaRPr kumimoji="0" lang="en-US" dirty="0"/>
           </a:p>
         </p:txBody>
       </p:sp>
@@ -10522,7 +11120,6 @@
             <a:pPr eaLnBrk="1" latinLnBrk="0" hangingPunct="1"/>
             <a:fld id="{544213AF-26F6-41FA-8D85-E2C5388D6E58}" type="datetimeFigureOut">
               <a:rPr lang="en-US" smtClean="0"/>
-              <a:t>04-Sep-23</a:t>
             </a:fld>
             <a:endParaRPr lang="en-US" sz="1000" dirty="0">
               <a:solidFill>
@@ -10610,7 +11207,6 @@
             <a:pPr eaLnBrk="1" latinLnBrk="0" hangingPunct="1"/>
             <a:fld id="{D5BBC35B-A44B-4119-B8DA-DE9E3DFADA20}" type="slidenum">
               <a:rPr kumimoji="0" lang="en-US" smtClean="0"/>
-              <a:t>‹#›</a:t>
             </a:fld>
             <a:endParaRPr kumimoji="0" lang="en-US" sz="1000" b="0">
               <a:solidFill>
@@ -10996,7 +11592,7 @@
           <p:nvPr/>
         </p:nvPicPr>
         <p:blipFill rotWithShape="1">
-          <a:blip r:embed="rId3" cstate="print">
+          <a:blip r:embed="rId1" cstate="print">
             <a:extLst>
               <a:ext uri="{28A0092B-C50C-407E-A947-70E740481C1C}">
                 <a14:useLocalDpi xmlns:a14="http://schemas.microsoft.com/office/drawing/2010/main" val="0"/>
@@ -11097,6 +11693,11 @@
               </a:rPr>
               <a:t>JAHANGIRNAGAR UNIVERSITY MEDICAL CENTER MANAGEMENT</a:t>
             </a:r>
+            <a:endParaRPr lang="en-US" sz="2500" b="1" dirty="0">
+              <a:solidFill>
+                <a:schemeClr val="bg1"/>
+              </a:solidFill>
+            </a:endParaRPr>
           </a:p>
           <a:p>
             <a:pPr algn="ctr"/>
@@ -11108,6 +11709,11 @@
               </a:rPr>
               <a:t>SYSTEM </a:t>
             </a:r>
+            <a:endParaRPr lang="en-US" sz="2500" b="1" dirty="0">
+              <a:solidFill>
+                <a:schemeClr val="bg1"/>
+              </a:solidFill>
+            </a:endParaRPr>
           </a:p>
         </p:txBody>
       </p:sp>
@@ -11189,6 +11795,11 @@
               </a:rPr>
               <a:t>Prepared By</a:t>
             </a:r>
+            <a:endParaRPr lang="en-US" dirty="0">
+              <a:solidFill>
+                <a:schemeClr val="bg1"/>
+              </a:solidFill>
+            </a:endParaRPr>
           </a:p>
           <a:p>
             <a:pPr algn="ctr"/>
@@ -11216,6 +11827,11 @@
               </a:rPr>
               <a:t> Saha-349</a:t>
             </a:r>
+            <a:endParaRPr lang="en-US" sz="2000" dirty="0">
+              <a:solidFill>
+                <a:schemeClr val="bg1"/>
+              </a:solidFill>
+            </a:endParaRPr>
           </a:p>
           <a:p>
             <a:pPr algn="ctr"/>
@@ -11227,6 +11843,11 @@
               </a:rPr>
               <a:t>Fatima Binte Aziz-367</a:t>
             </a:r>
+            <a:endParaRPr lang="en-US" sz="2000" dirty="0">
+              <a:solidFill>
+                <a:schemeClr val="bg1"/>
+              </a:solidFill>
+            </a:endParaRPr>
           </a:p>
           <a:p>
             <a:pPr algn="ctr"/>
@@ -11254,6 +11875,11 @@
               </a:rPr>
               <a:t> Anam-385</a:t>
             </a:r>
+            <a:endParaRPr lang="en-US" sz="2000" dirty="0">
+              <a:solidFill>
+                <a:schemeClr val="bg1"/>
+              </a:solidFill>
+            </a:endParaRPr>
           </a:p>
           <a:p>
             <a:pPr algn="ctr"/>
@@ -11265,6 +11891,11 @@
               </a:rPr>
               <a:t>Md Hasan Al Mamun-399</a:t>
             </a:r>
+            <a:endParaRPr lang="en-US" sz="2000" dirty="0">
+              <a:solidFill>
+                <a:schemeClr val="bg1"/>
+              </a:solidFill>
+            </a:endParaRPr>
           </a:p>
           <a:p>
             <a:pPr algn="ctr"/>
@@ -11300,6 +11931,11 @@
               </a:rPr>
               <a:t> Shahana-2147</a:t>
             </a:r>
+            <a:endParaRPr lang="en-US" sz="2000" dirty="0">
+              <a:solidFill>
+                <a:schemeClr val="bg1"/>
+              </a:solidFill>
+            </a:endParaRPr>
           </a:p>
         </p:txBody>
       </p:sp>
@@ -11352,6 +11988,7 @@
               <a:rPr lang="en-US" dirty="0"/>
               <a:t>SEQUENCE DIAGRAM-1</a:t>
             </a:r>
+            <a:endParaRPr lang="en-US" dirty="0"/>
           </a:p>
         </p:txBody>
       </p:sp>
@@ -11399,7 +12036,7 @@
           <p:nvPr/>
         </p:nvPicPr>
         <p:blipFill>
-          <a:blip r:embed="rId3">
+          <a:blip r:embed="rId1">
             <a:extLst>
               <a:ext uri="{28A0092B-C50C-407E-A947-70E740481C1C}">
                 <a14:useLocalDpi xmlns:a14="http://schemas.microsoft.com/office/drawing/2010/main" val="0"/>
@@ -11450,6 +12087,10 @@
               </a:rPr>
               <a:t>09</a:t>
             </a:r>
+            <a:endParaRPr lang="en-US" sz="1600" dirty="0">
+              <a:latin typeface="Times New Roman" panose="02020603050405020304" pitchFamily="18" charset="0"/>
+              <a:cs typeface="Times New Roman" panose="02020603050405020304" pitchFamily="18" charset="0"/>
+            </a:endParaRPr>
           </a:p>
         </p:txBody>
       </p:sp>
@@ -11502,6 +12143,7 @@
               <a:rPr lang="en-US" dirty="0"/>
               <a:t>SEQUENCE DIAGRAM-2</a:t>
             </a:r>
+            <a:endParaRPr lang="en-US" dirty="0"/>
           </a:p>
         </p:txBody>
       </p:sp>
@@ -11514,7 +12156,7 @@
           <p:nvPr/>
         </p:nvPicPr>
         <p:blipFill>
-          <a:blip r:embed="rId3">
+          <a:blip r:embed="rId1">
             <a:extLst>
               <a:ext uri="{28A0092B-C50C-407E-A947-70E740481C1C}">
                 <a14:useLocalDpi xmlns:a14="http://schemas.microsoft.com/office/drawing/2010/main" val="0"/>
@@ -11565,6 +12207,10 @@
               </a:rPr>
               <a:t>10</a:t>
             </a:r>
+            <a:endParaRPr lang="en-US" sz="1600" dirty="0">
+              <a:latin typeface="Times New Roman" panose="02020603050405020304" pitchFamily="18" charset="0"/>
+              <a:cs typeface="Times New Roman" panose="02020603050405020304" pitchFamily="18" charset="0"/>
+            </a:endParaRPr>
           </a:p>
         </p:txBody>
       </p:sp>
@@ -11617,6 +12263,7 @@
               <a:rPr lang="en-US" dirty="0"/>
               <a:t>STATE CHART DIAGRAM</a:t>
             </a:r>
+            <a:endParaRPr lang="en-US" dirty="0"/>
           </a:p>
         </p:txBody>
       </p:sp>
@@ -11629,7 +12276,7 @@
           <p:nvPr/>
         </p:nvPicPr>
         <p:blipFill>
-          <a:blip r:embed="rId3">
+          <a:blip r:embed="rId1">
             <a:extLst>
               <a:ext uri="{28A0092B-C50C-407E-A947-70E740481C1C}">
                 <a14:useLocalDpi xmlns:a14="http://schemas.microsoft.com/office/drawing/2010/main" val="0"/>
@@ -11680,6 +12327,10 @@
               </a:rPr>
               <a:t>11</a:t>
             </a:r>
+            <a:endParaRPr lang="en-US" sz="1600" dirty="0">
+              <a:latin typeface="Times New Roman" panose="02020603050405020304" pitchFamily="18" charset="0"/>
+              <a:cs typeface="Times New Roman" panose="02020603050405020304" pitchFamily="18" charset="0"/>
+            </a:endParaRPr>
           </a:p>
         </p:txBody>
       </p:sp>
@@ -11732,6 +12383,7 @@
               <a:rPr lang="en-US" dirty="0"/>
               <a:t>DATABASE SCHEMA</a:t>
             </a:r>
+            <a:endParaRPr lang="en-US" dirty="0"/>
           </a:p>
         </p:txBody>
       </p:sp>
@@ -11744,7 +12396,7 @@
           <p:nvPr/>
         </p:nvPicPr>
         <p:blipFill>
-          <a:blip r:embed="rId2">
+          <a:blip r:embed="rId1">
             <a:extLst>
               <a:ext uri="{28A0092B-C50C-407E-A947-70E740481C1C}">
                 <a14:useLocalDpi xmlns:a14="http://schemas.microsoft.com/office/drawing/2010/main" val="0"/>
@@ -11795,6 +12447,10 @@
               </a:rPr>
               <a:t>12</a:t>
             </a:r>
+            <a:endParaRPr lang="en-US" sz="1600" dirty="0">
+              <a:latin typeface="Times New Roman" panose="02020603050405020304" pitchFamily="18" charset="0"/>
+              <a:cs typeface="Times New Roman" panose="02020603050405020304" pitchFamily="18" charset="0"/>
+            </a:endParaRPr>
           </a:p>
         </p:txBody>
       </p:sp>
@@ -11832,7 +12488,7 @@
           <p:nvPr/>
         </p:nvPicPr>
         <p:blipFill>
-          <a:blip r:embed="rId2">
+          <a:blip r:embed="rId1">
             <a:extLst>
               <a:ext uri="{28A0092B-C50C-407E-A947-70E740481C1C}">
                 <a14:useLocalDpi xmlns:a14="http://schemas.microsoft.com/office/drawing/2010/main" val="0"/>
@@ -11883,6 +12539,10 @@
               </a:rPr>
               <a:t>13</a:t>
             </a:r>
+            <a:endParaRPr lang="en-US" sz="1600" dirty="0">
+              <a:latin typeface="Times New Roman" panose="02020603050405020304" pitchFamily="18" charset="0"/>
+              <a:cs typeface="Times New Roman" panose="02020603050405020304" pitchFamily="18" charset="0"/>
+            </a:endParaRPr>
           </a:p>
         </p:txBody>
       </p:sp>
@@ -11920,7 +12580,7 @@
           <p:nvPr/>
         </p:nvPicPr>
         <p:blipFill>
-          <a:blip r:embed="rId2">
+          <a:blip r:embed="rId1">
             <a:extLst>
               <a:ext uri="{28A0092B-C50C-407E-A947-70E740481C1C}">
                 <a14:useLocalDpi xmlns:a14="http://schemas.microsoft.com/office/drawing/2010/main" val="0"/>
@@ -11996,6 +12656,11 @@
               </a:rPr>
               <a:t>JU MEDICAL CENTER MANAGEMENT SYSTEM</a:t>
             </a:r>
+            <a:endParaRPr lang="en-US" dirty="0">
+              <a:solidFill>
+                <a:srgbClr val="475E4D"/>
+              </a:solidFill>
+            </a:endParaRPr>
           </a:p>
         </p:txBody>
       </p:sp>
@@ -12033,6 +12698,7 @@
               <a:rPr lang="en-US" sz="2200" dirty="0"/>
               <a:t>" is a Transformative Digital Solution aimed at modernizing the traditional healthcare practices at Jahangirnagar University. Currently, the medical center relies on: Manual Record-Keeping, Data Vulnerability, and Limited Storage Capacity. </a:t>
             </a:r>
+            <a:endParaRPr lang="en-US" sz="2200" dirty="0"/>
           </a:p>
           <a:p>
             <a:endParaRPr lang="en-US" sz="2200" dirty="0"/>
@@ -12042,6 +12708,7 @@
               <a:rPr lang="en-US" sz="2200" dirty="0"/>
               <a:t>Our vision is to elevate healthcare standards, promote a healthier campus community, and optimize medical services. Through this digital transformation, we aim to improve the overall quality of healthcare services provided at Jahangirnagar University Medical enter.</a:t>
             </a:r>
+            <a:endParaRPr lang="en-US" sz="2200" dirty="0"/>
           </a:p>
         </p:txBody>
       </p:sp>
@@ -12075,6 +12742,10 @@
               </a:rPr>
               <a:t>01</a:t>
             </a:r>
+            <a:endParaRPr lang="en-US" sz="1600" dirty="0">
+              <a:latin typeface="Times New Roman" panose="02020603050405020304" pitchFamily="18" charset="0"/>
+              <a:cs typeface="Times New Roman" panose="02020603050405020304" pitchFamily="18" charset="0"/>
+            </a:endParaRPr>
           </a:p>
         </p:txBody>
       </p:sp>
@@ -12128,6 +12799,7 @@
               <a:rPr lang="en-US" dirty="0"/>
               <a:t> the proposed system will provide</a:t>
             </a:r>
+            <a:endParaRPr lang="en-US" dirty="0"/>
           </a:p>
         </p:txBody>
       </p:sp>
@@ -12364,6 +13036,7 @@
               <a:rPr lang="en-US" sz="1900" dirty="0"/>
               <a:t>Streamline Patient Registration </a:t>
             </a:r>
+            <a:endParaRPr lang="en-US" sz="1900" dirty="0"/>
           </a:p>
           <a:p>
             <a:pPr marL="342900" indent="-342900">
@@ -12374,6 +13047,7 @@
               <a:rPr lang="en-US" sz="1900" dirty="0"/>
               <a:t> Appointment Scheduling</a:t>
             </a:r>
+            <a:endParaRPr lang="en-US" sz="1900" dirty="0"/>
           </a:p>
           <a:p>
             <a:pPr marL="342900" indent="-342900">
@@ -12384,6 +13058,7 @@
               <a:rPr lang="en-US" sz="1900" dirty="0"/>
               <a:t> Medical History Access</a:t>
             </a:r>
+            <a:endParaRPr lang="en-US" sz="1900" dirty="0"/>
           </a:p>
           <a:p>
             <a:pPr marL="342900" indent="-342900">
@@ -12408,6 +13083,7 @@
               <a:rPr lang="en-US" sz="1900" dirty="0"/>
               <a:t>Facilitate Doctors in Updating Records</a:t>
             </a:r>
+            <a:endParaRPr lang="en-US" sz="1900" dirty="0"/>
           </a:p>
           <a:p>
             <a:pPr marL="342900" indent="-342900">
@@ -12418,6 +13094,7 @@
               <a:rPr lang="en-US" sz="1900" dirty="0"/>
               <a:t>Prescribing Medications</a:t>
             </a:r>
+            <a:endParaRPr lang="en-US" sz="1900" dirty="0"/>
           </a:p>
           <a:p>
             <a:pPr marL="342900" indent="-342900">
@@ -12428,6 +13105,7 @@
               <a:rPr lang="en-US" sz="1900" dirty="0"/>
               <a:t>Ordering Tests.</a:t>
             </a:r>
+            <a:endParaRPr lang="en-US" sz="1900" dirty="0"/>
           </a:p>
           <a:p>
             <a:pPr marL="342900" indent="-342900">
@@ -12452,6 +13130,7 @@
               <a:rPr lang="en-US" sz="1900" dirty="0"/>
               <a:t>Offer Online Test Booking</a:t>
             </a:r>
+            <a:endParaRPr lang="en-US" sz="1900" dirty="0"/>
           </a:p>
           <a:p>
             <a:pPr marL="342900" indent="-342900">
@@ -12462,6 +13141,7 @@
               <a:rPr lang="en-US" sz="1900" dirty="0"/>
               <a:t>Medicine Ordering</a:t>
             </a:r>
+            <a:endParaRPr lang="en-US" sz="1900" dirty="0"/>
           </a:p>
           <a:p>
             <a:pPr marL="342900" indent="-342900">
@@ -12472,6 +13152,7 @@
               <a:rPr lang="en-US" sz="1900" dirty="0"/>
               <a:t>Ambulance Requests.</a:t>
             </a:r>
+            <a:endParaRPr lang="en-US" sz="1900" dirty="0"/>
           </a:p>
         </p:txBody>
       </p:sp>
@@ -12697,6 +13378,7 @@
               <a:rPr lang="en-US" sz="1800" b="1" dirty="0"/>
               <a:t>Data Security</a:t>
             </a:r>
+            <a:endParaRPr lang="en-US" sz="1800" b="1" dirty="0"/>
           </a:p>
           <a:p>
             <a:pPr marL="342900" indent="-342900">
@@ -12707,6 +13389,7 @@
               <a:rPr lang="en-US" sz="1800" dirty="0"/>
               <a:t>Ensure Robust Data Protection through Authentication and Encryption.</a:t>
             </a:r>
+            <a:endParaRPr lang="en-US" sz="1800" dirty="0"/>
           </a:p>
           <a:p>
             <a:endParaRPr lang="en-US" sz="1800" b="1" dirty="0"/>
@@ -12716,6 +13399,7 @@
               <a:rPr lang="en-US" sz="1800" b="1" dirty="0"/>
               <a:t>Notifications</a:t>
             </a:r>
+            <a:endParaRPr lang="en-US" sz="1800" b="1" dirty="0"/>
           </a:p>
           <a:p>
             <a:pPr marL="342900" indent="-342900">
@@ -12726,6 +13410,7 @@
               <a:rPr lang="en-US" sz="1800" dirty="0"/>
               <a:t>Automate Reminders for follow-up Appointments and Test Results.</a:t>
             </a:r>
+            <a:endParaRPr lang="en-US" sz="1800" dirty="0"/>
           </a:p>
           <a:p>
             <a:endParaRPr lang="en-US" sz="1800" dirty="0"/>
@@ -12738,6 +13423,7 @@
               <a:rPr lang="en-US" sz="1800" b="1" dirty="0"/>
               <a:t>Efficiency</a:t>
             </a:r>
+            <a:endParaRPr lang="en-US" sz="1800" b="1" dirty="0"/>
           </a:p>
           <a:p>
             <a:pPr marL="285750" indent="-285750">
@@ -12748,6 +13434,7 @@
               <a:rPr lang="en-US" sz="1800" dirty="0"/>
               <a:t>Optimize operations by digitizing bed booking and appointment management.</a:t>
             </a:r>
+            <a:endParaRPr lang="en-US" sz="1800" dirty="0"/>
           </a:p>
           <a:p>
             <a:pPr marL="342900" indent="-342900">
@@ -12788,6 +13475,10 @@
               </a:rPr>
               <a:t>02</a:t>
             </a:r>
+            <a:endParaRPr lang="en-US" sz="1600" dirty="0">
+              <a:latin typeface="Times New Roman" panose="02020603050405020304" pitchFamily="18" charset="0"/>
+              <a:cs typeface="Times New Roman" panose="02020603050405020304" pitchFamily="18" charset="0"/>
+            </a:endParaRPr>
           </a:p>
         </p:txBody>
       </p:sp>
@@ -12835,6 +13526,7 @@
               <a:rPr lang="en-US" dirty="0"/>
               <a:t>USE CASE DIAGRAM</a:t>
             </a:r>
+            <a:endParaRPr lang="en-US" dirty="0"/>
           </a:p>
         </p:txBody>
       </p:sp>
@@ -12868,33 +13560,33 @@
               </a:rPr>
               <a:t>03</a:t>
             </a:r>
+            <a:endParaRPr lang="en-US" sz="1600" dirty="0">
+              <a:latin typeface="Times New Roman" panose="02020603050405020304" pitchFamily="18" charset="0"/>
+              <a:cs typeface="Times New Roman" panose="02020603050405020304" pitchFamily="18" charset="0"/>
+            </a:endParaRPr>
           </a:p>
         </p:txBody>
       </p:sp>
       <p:pic>
         <p:nvPicPr>
-          <p:cNvPr id="3" name="Picture 2">
-            <a:extLst>
-              <a:ext uri="{FF2B5EF4-FFF2-40B4-BE49-F238E27FC236}">
-                <a16:creationId xmlns:a16="http://schemas.microsoft.com/office/drawing/2014/main" xmlns="" id="{3AD13168-AA11-C5D3-6AED-7B25DB9BB486}"/>
-              </a:ext>
-            </a:extLst>
-          </p:cNvPr>
+          <p:cNvPr id="7" name="Picture Placeholder 6" descr="UseCaseDiagram"/>
           <p:cNvPicPr>
             <a:picLocks noChangeAspect="1"/>
           </p:cNvPicPr>
-          <p:nvPr/>
+          <p:nvPr>
+            <p:ph type="pic" sz="quarter" idx="13"/>
+          </p:nvPr>
         </p:nvPicPr>
         <p:blipFill>
-          <a:blip r:embed="rId3"/>
+          <a:blip r:embed="rId1"/>
           <a:stretch>
             <a:fillRect/>
           </a:stretch>
         </p:blipFill>
         <p:spPr>
           <a:xfrm>
-            <a:off x="383292" y="1143000"/>
-            <a:ext cx="8377415" cy="5184438"/>
+            <a:off x="381000" y="1143000"/>
+            <a:ext cx="8348345" cy="5188585"/>
           </a:xfrm>
           <a:prstGeom prst="rect">
             <a:avLst/>
@@ -12950,6 +13642,7 @@
               <a:rPr lang="en-US" dirty="0"/>
               <a:t>USER STORY-1</a:t>
             </a:r>
+            <a:endParaRPr lang="en-US" dirty="0"/>
           </a:p>
         </p:txBody>
       </p:sp>
@@ -12979,12 +13672,9 @@
               <a:rPr lang="en-US" sz="1400" dirty="0"/>
               <a:t>As a Patient I want to make appointment for undergoing medical tests.</a:t>
             </a:r>
-          </a:p>
-          <a:p>
-            <a:r>
-              <a:rPr lang="en-US" sz="1400" dirty="0"/>
-              <a:t/>
-            </a:r>
+            <a:endParaRPr lang="en-US" sz="1400" dirty="0"/>
+          </a:p>
+          <a:p>
             <a:br>
               <a:rPr lang="en-US" sz="1400" dirty="0"/>
             </a:br>
@@ -12996,12 +13686,9 @@
               <a:rPr lang="en-US" sz="1400" dirty="0"/>
               <a:t>:</a:t>
             </a:r>
-          </a:p>
-          <a:p>
-            <a:r>
-              <a:rPr lang="en-US" sz="1400" dirty="0"/>
-              <a:t/>
-            </a:r>
+            <a:endParaRPr lang="en-US" sz="1400" dirty="0"/>
+          </a:p>
+          <a:p>
             <a:br>
               <a:rPr lang="en-US" sz="1400" dirty="0"/>
             </a:br>
@@ -13009,12 +13696,9 @@
               <a:rPr lang="en-US" sz="1400" dirty="0"/>
               <a:t>• If Patient selects the "Place appointment" button from the list of medical tests, system will show extended information about the test.</a:t>
             </a:r>
-          </a:p>
-          <a:p>
-            <a:r>
-              <a:rPr lang="en-US" sz="1400" dirty="0"/>
-              <a:t/>
-            </a:r>
+            <a:endParaRPr lang="en-US" sz="1400" dirty="0"/>
+          </a:p>
+          <a:p>
             <a:br>
               <a:rPr lang="en-US" sz="1400" dirty="0"/>
             </a:br>
@@ -13022,12 +13706,9 @@
               <a:rPr lang="en-US" sz="1400" dirty="0"/>
               <a:t>• If the Patient is not okay with the immediate next available time, system will give the option to select any of the available date and time in future.</a:t>
             </a:r>
-          </a:p>
-          <a:p>
-            <a:r>
-              <a:rPr lang="en-US" sz="1400" dirty="0"/>
-              <a:t/>
-            </a:r>
+            <a:endParaRPr lang="en-US" sz="1400" dirty="0"/>
+          </a:p>
+          <a:p>
             <a:br>
               <a:rPr lang="en-US" sz="1400" dirty="0"/>
             </a:br>
@@ -13035,12 +13716,9 @@
               <a:rPr lang="en-US" sz="1400" dirty="0"/>
               <a:t>• If Patient selects the suitable appointment time, he clicks the "Confirm" button to confirm the appointment.</a:t>
             </a:r>
-          </a:p>
-          <a:p>
-            <a:r>
-              <a:rPr lang="en-US" sz="1400" dirty="0"/>
-              <a:t/>
-            </a:r>
+            <a:endParaRPr lang="en-US" sz="1400" dirty="0"/>
+          </a:p>
+          <a:p>
             <a:br>
               <a:rPr lang="en-US" sz="1400" dirty="0"/>
             </a:br>
@@ -13048,12 +13726,9 @@
               <a:rPr lang="en-US" sz="1400" dirty="0"/>
               <a:t>• If the appointment is confirmed, system sends the Patient a confirmation mail with the details of the appointment such as name of the medical test, prerequisites of the test and date and time of appointment etc.</a:t>
             </a:r>
-          </a:p>
-          <a:p>
-            <a:r>
-              <a:rPr lang="en-US" sz="1400" dirty="0"/>
-              <a:t/>
-            </a:r>
+            <a:endParaRPr lang="en-US" sz="1400" dirty="0"/>
+          </a:p>
+          <a:p>
             <a:br>
               <a:rPr lang="en-US" sz="1400" dirty="0"/>
             </a:br>
@@ -13098,6 +13773,10 @@
               </a:rPr>
               <a:t>04</a:t>
             </a:r>
+            <a:endParaRPr lang="en-US" sz="1600" dirty="0">
+              <a:latin typeface="Times New Roman" panose="02020603050405020304" pitchFamily="18" charset="0"/>
+              <a:cs typeface="Times New Roman" panose="02020603050405020304" pitchFamily="18" charset="0"/>
+            </a:endParaRPr>
           </a:p>
         </p:txBody>
       </p:sp>
@@ -13187,12 +13866,9 @@
               <a:rPr lang="en-US" sz="1400" dirty="0"/>
               <a:t>As a patient I want to view my medical test report.</a:t>
             </a:r>
-          </a:p>
-          <a:p>
-            <a:r>
-              <a:rPr lang="en-US" sz="1400" dirty="0"/>
-              <a:t/>
-            </a:r>
+            <a:endParaRPr lang="en-US" sz="1400" dirty="0"/>
+          </a:p>
+          <a:p>
             <a:br>
               <a:rPr lang="en-US" sz="1400" dirty="0"/>
             </a:br>
@@ -13204,6 +13880,7 @@
               <a:rPr lang="en-US" sz="1400" dirty="0"/>
               <a:t>:</a:t>
             </a:r>
+            <a:endParaRPr lang="en-US" sz="1400" dirty="0"/>
           </a:p>
           <a:p>
             <a:endParaRPr lang="en-US" sz="1400" dirty="0">
@@ -13215,12 +13892,9 @@
               <a:rPr lang="en-US" sz="1400" dirty="0"/>
               <a:t> • If Patient selects the “View test reports" button from his dashboard, system will show the list of medical tests the Patient has undergone before and the status of the test reports for each medical test.</a:t>
             </a:r>
-          </a:p>
-          <a:p>
-            <a:r>
-              <a:rPr lang="en-US" sz="1400" dirty="0"/>
-              <a:t/>
-            </a:r>
+            <a:endParaRPr lang="en-US" sz="1400" dirty="0"/>
+          </a:p>
+          <a:p>
             <a:br>
               <a:rPr lang="en-US" sz="1400" dirty="0"/>
             </a:br>
@@ -13228,6 +13902,7 @@
               <a:rPr lang="en-US" sz="1400" dirty="0"/>
               <a:t>• If the status of the selected test report is "Ready", the Patient can download the test report in PDF format by clicking the "Download" button.</a:t>
             </a:r>
+            <a:endParaRPr lang="en-US" sz="1400" dirty="0"/>
           </a:p>
           <a:p>
             <a:endParaRPr lang="en-US" sz="1400" dirty="0"/>
@@ -13237,6 +13912,7 @@
               <a:rPr lang="en-US" sz="1400" dirty="0"/>
               <a:t>• If the patient selects some test reports which are ready and clicks on "Compare" button, system will compare the reports about show the results of the comparison.</a:t>
             </a:r>
+            <a:endParaRPr lang="en-US" sz="1400" dirty="0"/>
           </a:p>
         </p:txBody>
       </p:sp>
@@ -13259,6 +13935,7 @@
               <a:rPr lang="en-US" dirty="0"/>
               <a:t>USER STORY-2</a:t>
             </a:r>
+            <a:endParaRPr lang="en-US" dirty="0"/>
           </a:p>
         </p:txBody>
       </p:sp>
@@ -13292,15 +13969,14 @@
               </a:rPr>
               <a:t>05</a:t>
             </a:r>
+            <a:endParaRPr lang="en-US" sz="1600" dirty="0">
+              <a:latin typeface="Times New Roman" panose="02020603050405020304" pitchFamily="18" charset="0"/>
+              <a:cs typeface="Times New Roman" panose="02020603050405020304" pitchFamily="18" charset="0"/>
+            </a:endParaRPr>
           </a:p>
         </p:txBody>
       </p:sp>
     </p:spTree>
-    <p:extLst>
-      <p:ext uri="{BB962C8B-B14F-4D97-AF65-F5344CB8AC3E}">
-        <p14:creationId xmlns:p14="http://schemas.microsoft.com/office/powerpoint/2010/main" val="3156441273"/>
-      </p:ext>
-    </p:extLst>
   </p:cSld>
   <p:clrMapOvr>
     <a:masterClrMapping/>
@@ -13349,6 +14025,7 @@
               <a:rPr lang="en-US" dirty="0"/>
               <a:t>EXTENDED USE CASE-1</a:t>
             </a:r>
+            <a:endParaRPr lang="en-US" dirty="0"/>
           </a:p>
         </p:txBody>
       </p:sp>
@@ -13396,7 +14073,7 @@
           <p:nvPr/>
         </p:nvPicPr>
         <p:blipFill>
-          <a:blip r:embed="rId3"/>
+          <a:blip r:embed="rId1"/>
           <a:stretch>
             <a:fillRect/>
           </a:stretch>
@@ -13441,6 +14118,10 @@
               </a:rPr>
               <a:t>06</a:t>
             </a:r>
+            <a:endParaRPr lang="en-US" sz="1600" dirty="0">
+              <a:latin typeface="Times New Roman" panose="02020603050405020304" pitchFamily="18" charset="0"/>
+              <a:cs typeface="Times New Roman" panose="02020603050405020304" pitchFamily="18" charset="0"/>
+            </a:endParaRPr>
           </a:p>
         </p:txBody>
       </p:sp>
@@ -13493,6 +14174,7 @@
               <a:rPr lang="en-US" dirty="0"/>
               <a:t>EXTENDED USE CASE-2</a:t>
             </a:r>
+            <a:endParaRPr lang="en-US" dirty="0"/>
           </a:p>
         </p:txBody>
       </p:sp>
@@ -13540,7 +14222,7 @@
           <p:nvPr/>
         </p:nvPicPr>
         <p:blipFill>
-          <a:blip r:embed="rId3">
+          <a:blip r:embed="rId1">
             <a:extLst>
               <a:ext uri="{28A0092B-C50C-407E-A947-70E740481C1C}">
                 <a14:useLocalDpi xmlns:a14="http://schemas.microsoft.com/office/drawing/2010/main" val="0"/>
@@ -13591,6 +14273,10 @@
               </a:rPr>
               <a:t>07</a:t>
             </a:r>
+            <a:endParaRPr lang="en-US" sz="1600" dirty="0">
+              <a:latin typeface="Times New Roman" panose="02020603050405020304" pitchFamily="18" charset="0"/>
+              <a:cs typeface="Times New Roman" panose="02020603050405020304" pitchFamily="18" charset="0"/>
+            </a:endParaRPr>
           </a:p>
         </p:txBody>
       </p:sp>
@@ -13643,6 +14329,7 @@
               <a:rPr lang="en-US" dirty="0"/>
               <a:t>CLASS DIAGRAM</a:t>
             </a:r>
+            <a:endParaRPr lang="en-US" dirty="0"/>
           </a:p>
         </p:txBody>
       </p:sp>
@@ -13676,6 +14363,10 @@
               </a:rPr>
               <a:t>08</a:t>
             </a:r>
+            <a:endParaRPr lang="en-US" sz="1600" dirty="0">
+              <a:latin typeface="Times New Roman" panose="02020603050405020304" pitchFamily="18" charset="0"/>
+              <a:cs typeface="Times New Roman" panose="02020603050405020304" pitchFamily="18" charset="0"/>
+            </a:endParaRPr>
           </a:p>
         </p:txBody>
       </p:sp>
@@ -13688,7 +14379,7 @@
           <p:nvPr/>
         </p:nvPicPr>
         <p:blipFill>
-          <a:blip r:embed="rId3">
+          <a:blip r:embed="rId1">
             <a:extLst>
               <a:ext uri="{28A0092B-C50C-407E-A947-70E740481C1C}">
                 <a14:useLocalDpi xmlns:a14="http://schemas.microsoft.com/office/drawing/2010/main" val="0"/>
@@ -13989,8 +14680,6 @@
       </a:bgFillStyleLst>
     </a:fmtScheme>
   </a:themeElements>
-  <a:objectDefaults/>
-  <a:extraClrSchemeLst/>
   <a:extLst>
     <a:ext uri="{05A4C25C-085E-4340-85A3-A5531E510DB2}">
       <thm15:themeFamily xmlns:thm15="http://schemas.microsoft.com/office/thememl/2012/main" name="Office Theme" id="{62F939B6-93AF-4DB8-9C6B-D6C7DFDC589F}" vid="{4A3C46E8-61CC-4603-A589-7422A47A8E4A}"/>
@@ -14250,8 +14939,6 @@
       </a:bgFillStyleLst>
     </a:fmtScheme>
   </a:themeElements>
-  <a:objectDefaults/>
-  <a:extraClrSchemeLst/>
   <a:extLst>
     <a:ext uri="{05A4C25C-085E-4340-85A3-A5531E510DB2}">
       <thm15:themeFamily xmlns:thm15="http://schemas.microsoft.com/office/thememl/2012/main" name="Office Theme" id="{62F939B6-93AF-4DB8-9C6B-D6C7DFDC589F}" vid="{4A3C46E8-61CC-4603-A589-7422A47A8E4A}"/>
@@ -14303,7 +14990,7 @@
     </a:clrScheme>
     <a:fontScheme name="Office">
       <a:majorFont>
-        <a:latin typeface="Calibri Light" panose="020F0302020204030204"/>
+        <a:latin typeface="Calibri Light"/>
         <a:ea typeface=""/>
         <a:cs typeface=""/>
         <a:font script="Jpan" typeface="游ゴシック Light"/>
@@ -14338,7 +15025,7 @@
         <a:font script="Geor" typeface="Sylfaen"/>
       </a:majorFont>
       <a:minorFont>
-        <a:latin typeface="Calibri" panose="020F0502020204030204"/>
+        <a:latin typeface="Calibri"/>
         <a:ea typeface=""/>
         <a:cs typeface=""/>
         <a:font script="Jpan" typeface="游ゴシック"/>
@@ -14511,8 +15198,6 @@
       </a:bgFillStyleLst>
     </a:fmtScheme>
   </a:themeElements>
-  <a:objectDefaults/>
-  <a:extraClrSchemeLst/>
   <a:extLst>
     <a:ext uri="{05A4C25C-085E-4340-85A3-A5531E510DB2}">
       <thm15:themeFamily xmlns:thm15="http://schemas.microsoft.com/office/thememl/2012/main" name="Office Theme" id="{62F939B6-93AF-4DB8-9C6B-D6C7DFDC589F}" vid="{4A3C46E8-61CC-4603-A589-7422A47A8E4A}"/>
